--- a/Python Tutorial.pptx
+++ b/Python Tutorial.pptx
@@ -7,6 +7,9 @@
   <p:notesMasterIdLst>
     <p:notesMasterId r:id="rId33"/>
   </p:notesMasterIdLst>
+  <p:handoutMasterIdLst>
+    <p:handoutMasterId r:id="rId34"/>
+  </p:handoutMasterIdLst>
   <p:sldIdLst>
     <p:sldId id="311" r:id="rId2"/>
     <p:sldId id="310" r:id="rId3"/>
@@ -156,6 +159,195 @@
 </p:presentation>
 </file>
 
+<file path=ppt/handoutMasters/handoutMaster1.xml><?xml version="1.0" encoding="utf-8"?>
+<p:handoutMaster xmlns:a="http://schemas.openxmlformats.org/drawingml/2006/main" xmlns:r="http://schemas.openxmlformats.org/officeDocument/2006/relationships" xmlns:p="http://schemas.openxmlformats.org/presentationml/2006/main">
+  <p:cSld>
+    <p:bg>
+      <p:bgRef idx="1001">
+        <a:schemeClr val="bg1"/>
+      </p:bgRef>
+    </p:bg>
+    <p:spTree>
+      <p:nvGrpSpPr>
+        <p:cNvPr id="1" name=""/>
+        <p:cNvGrpSpPr/>
+        <p:nvPr/>
+      </p:nvGrpSpPr>
+      <p:grpSpPr>
+        <a:xfrm>
+          <a:off x="0" y="0"/>
+          <a:ext cx="0" cy="0"/>
+          <a:chOff x="0" y="0"/>
+          <a:chExt cx="0" cy="0"/>
+        </a:xfrm>
+      </p:grpSpPr>
+      <p:sp>
+        <p:nvSpPr>
+          <p:cNvPr id="2" name="Header Placeholder 1">
+            <a:extLst>
+              <a:ext uri="{FF2B5EF4-FFF2-40B4-BE49-F238E27FC236}">
+                <a16:creationId xmlns:a16="http://schemas.microsoft.com/office/drawing/2014/main" id="{78851FFD-6D87-AA46-918A-53B8B97D22E1}"/>
+              </a:ext>
+            </a:extLst>
+          </p:cNvPr>
+          <p:cNvSpPr>
+            <a:spLocks noGrp="1"/>
+          </p:cNvSpPr>
+          <p:nvPr>
+            <p:ph type="hdr" sz="quarter"/>
+          </p:nvPr>
+        </p:nvSpPr>
+        <p:spPr>
+          <a:xfrm>
+            <a:off x="0" y="0"/>
+            <a:ext cx="2971800" cy="458788"/>
+          </a:xfrm>
+          <a:prstGeom prst="rect">
+            <a:avLst/>
+          </a:prstGeom>
+        </p:spPr>
+        <p:txBody>
+          <a:bodyPr vert="horz" lIns="91440" tIns="45720" rIns="91440" bIns="45720" rtlCol="0"/>
+          <a:lstStyle>
+            <a:lvl1pPr algn="l">
+              <a:defRPr sz="1200"/>
+            </a:lvl1pPr>
+          </a:lstStyle>
+          <a:p>
+            <a:endParaRPr lang="en-US"/>
+          </a:p>
+        </p:txBody>
+      </p:sp>
+      <p:sp>
+        <p:nvSpPr>
+          <p:cNvPr id="3" name="Date Placeholder 2">
+            <a:extLst>
+              <a:ext uri="{FF2B5EF4-FFF2-40B4-BE49-F238E27FC236}">
+                <a16:creationId xmlns:a16="http://schemas.microsoft.com/office/drawing/2014/main" id="{B92BB31F-FD87-C044-95FF-95EE593B9F1C}"/>
+              </a:ext>
+            </a:extLst>
+          </p:cNvPr>
+          <p:cNvSpPr>
+            <a:spLocks noGrp="1"/>
+          </p:cNvSpPr>
+          <p:nvPr>
+            <p:ph type="dt" sz="quarter" idx="1"/>
+          </p:nvPr>
+        </p:nvSpPr>
+        <p:spPr>
+          <a:xfrm>
+            <a:off x="3884613" y="0"/>
+            <a:ext cx="2971800" cy="458788"/>
+          </a:xfrm>
+          <a:prstGeom prst="rect">
+            <a:avLst/>
+          </a:prstGeom>
+        </p:spPr>
+        <p:txBody>
+          <a:bodyPr vert="horz" lIns="91440" tIns="45720" rIns="91440" bIns="45720" rtlCol="0"/>
+          <a:lstStyle>
+            <a:lvl1pPr algn="r">
+              <a:defRPr sz="1200"/>
+            </a:lvl1pPr>
+          </a:lstStyle>
+          <a:p>
+            <a:fld id="{A4305CFD-1A3B-A84E-BFCC-10269260391C}" type="datetimeFigureOut">
+              <a:rPr lang="en-US" smtClean="0"/>
+              <a:t>2/15/18</a:t>
+            </a:fld>
+            <a:endParaRPr lang="en-US"/>
+          </a:p>
+        </p:txBody>
+      </p:sp>
+      <p:sp>
+        <p:nvSpPr>
+          <p:cNvPr id="4" name="Footer Placeholder 3">
+            <a:extLst>
+              <a:ext uri="{FF2B5EF4-FFF2-40B4-BE49-F238E27FC236}">
+                <a16:creationId xmlns:a16="http://schemas.microsoft.com/office/drawing/2014/main" id="{B606FDEB-3AD6-3248-90DB-33B507FBB933}"/>
+              </a:ext>
+            </a:extLst>
+          </p:cNvPr>
+          <p:cNvSpPr>
+            <a:spLocks noGrp="1"/>
+          </p:cNvSpPr>
+          <p:nvPr>
+            <p:ph type="ftr" sz="quarter" idx="2"/>
+          </p:nvPr>
+        </p:nvSpPr>
+        <p:spPr>
+          <a:xfrm>
+            <a:off x="0" y="8685213"/>
+            <a:ext cx="2971800" cy="458787"/>
+          </a:xfrm>
+          <a:prstGeom prst="rect">
+            <a:avLst/>
+          </a:prstGeom>
+        </p:spPr>
+        <p:txBody>
+          <a:bodyPr vert="horz" lIns="91440" tIns="45720" rIns="91440" bIns="45720" rtlCol="0" anchor="b"/>
+          <a:lstStyle>
+            <a:lvl1pPr algn="l">
+              <a:defRPr sz="1200"/>
+            </a:lvl1pPr>
+          </a:lstStyle>
+          <a:p>
+            <a:endParaRPr lang="en-US"/>
+          </a:p>
+        </p:txBody>
+      </p:sp>
+      <p:sp>
+        <p:nvSpPr>
+          <p:cNvPr id="5" name="Slide Number Placeholder 4">
+            <a:extLst>
+              <a:ext uri="{FF2B5EF4-FFF2-40B4-BE49-F238E27FC236}">
+                <a16:creationId xmlns:a16="http://schemas.microsoft.com/office/drawing/2014/main" id="{7811946B-74F9-3D4C-BE79-A85FF8FC61CB}"/>
+              </a:ext>
+            </a:extLst>
+          </p:cNvPr>
+          <p:cNvSpPr>
+            <a:spLocks noGrp="1"/>
+          </p:cNvSpPr>
+          <p:nvPr>
+            <p:ph type="sldNum" sz="quarter" idx="3"/>
+          </p:nvPr>
+        </p:nvSpPr>
+        <p:spPr>
+          <a:xfrm>
+            <a:off x="3884613" y="8685213"/>
+            <a:ext cx="2971800" cy="458787"/>
+          </a:xfrm>
+          <a:prstGeom prst="rect">
+            <a:avLst/>
+          </a:prstGeom>
+        </p:spPr>
+        <p:txBody>
+          <a:bodyPr vert="horz" lIns="91440" tIns="45720" rIns="91440" bIns="45720" rtlCol="0" anchor="b"/>
+          <a:lstStyle>
+            <a:lvl1pPr algn="r">
+              <a:defRPr sz="1200"/>
+            </a:lvl1pPr>
+          </a:lstStyle>
+          <a:p>
+            <a:fld id="{95074A0E-35AE-5C48-B1BB-1E4DDAFA7922}" type="slidenum">
+              <a:rPr lang="en-US" smtClean="0"/>
+              <a:t>‹#›</a:t>
+            </a:fld>
+            <a:endParaRPr lang="en-US"/>
+          </a:p>
+        </p:txBody>
+      </p:sp>
+    </p:spTree>
+    <p:extLst>
+      <p:ext uri="{BB962C8B-B14F-4D97-AF65-F5344CB8AC3E}">
+        <p14:creationId xmlns:p14="http://schemas.microsoft.com/office/powerpoint/2010/main" val="1352953014"/>
+      </p:ext>
+    </p:extLst>
+  </p:cSld>
+  <p:clrMap bg1="lt1" tx1="dk1" bg2="lt2" tx2="dk2" accent1="accent1" accent2="accent2" accent3="accent3" accent4="accent4" accent5="accent5" accent6="accent6" hlink="hlink" folHlink="folHlink"/>
+</p:handoutMaster>
+</file>
+
 <file path=ppt/notesMasters/notesMaster1.xml><?xml version="1.0" encoding="utf-8"?>
 <p:notesMaster xmlns:a="http://schemas.openxmlformats.org/drawingml/2006/main" xmlns:r="http://schemas.openxmlformats.org/officeDocument/2006/relationships" xmlns:p="http://schemas.openxmlformats.org/presentationml/2006/main">
   <p:cSld>
@@ -238,7 +430,7 @@
           <a:p>
             <a:fld id="{438AF268-FB9E-4C3A-AD8F-E797B7A8E2C7}" type="datetimeFigureOut">
               <a:rPr lang="en-US" smtClean="0"/>
-              <a:t>1/11/18</a:t>
+              <a:t>2/14/18</a:t>
             </a:fld>
             <a:endParaRPr lang="en-US"/>
           </a:p>
@@ -302,38 +494,37 @@
           <a:p>
             <a:pPr lvl="0"/>
             <a:r>
-              <a:rPr lang="en-US" smtClean="0"/>
+              <a:rPr lang="en-US"/>
               <a:t>Click to edit Master text styles</a:t>
             </a:r>
           </a:p>
           <a:p>
             <a:pPr lvl="1"/>
             <a:r>
-              <a:rPr lang="en-US" smtClean="0"/>
+              <a:rPr lang="en-US"/>
               <a:t>Second level</a:t>
             </a:r>
           </a:p>
           <a:p>
             <a:pPr lvl="2"/>
             <a:r>
-              <a:rPr lang="en-US" smtClean="0"/>
+              <a:rPr lang="en-US"/>
               <a:t>Third level</a:t>
             </a:r>
           </a:p>
           <a:p>
             <a:pPr lvl="3"/>
             <a:r>
-              <a:rPr lang="en-US" smtClean="0"/>
+              <a:rPr lang="en-US"/>
               <a:t>Fourth level</a:t>
             </a:r>
           </a:p>
           <a:p>
             <a:pPr lvl="4"/>
             <a:r>
-              <a:rPr lang="en-US" smtClean="0"/>
+              <a:rPr lang="en-US"/>
               <a:t>Fifth level</a:t>
             </a:r>
-            <a:endParaRPr lang="en-US"/>
           </a:p>
         </p:txBody>
       </p:sp>
@@ -901,15 +1092,15 @@
           <a:lstStyle/>
           <a:p>
             <a:r>
-              <a:rPr lang="en-US" dirty="0" err="1" smtClean="0"/>
+              <a:rPr lang="en-US" dirty="0" err="1"/>
               <a:t>Tiny</a:t>
             </a:r>
             <a:r>
-              <a:rPr lang="en-US" baseline="0" dirty="0" err="1" smtClean="0"/>
+              <a:rPr lang="en-US" baseline="0" dirty="0" err="1"/>
               <a:t>int</a:t>
             </a:r>
             <a:r>
-              <a:rPr lang="en-US" baseline="0" dirty="0" smtClean="0"/>
+              <a:rPr lang="en-US" baseline="0" dirty="0"/>
               <a:t> unsigned</a:t>
             </a:r>
             <a:endParaRPr lang="en-US" dirty="0"/>
@@ -1162,10 +1353,9 @@
           <a:lstStyle/>
           <a:p>
             <a:r>
-              <a:rPr lang="en-US" smtClean="0"/>
+              <a:rPr lang="en-US"/>
               <a:t>Click to edit Master title style</a:t>
             </a:r>
-            <a:endParaRPr lang="en-US"/>
           </a:p>
         </p:txBody>
       </p:sp>
@@ -1281,10 +1471,9 @@
           </a:lstStyle>
           <a:p>
             <a:r>
-              <a:rPr lang="en-US" smtClean="0"/>
+              <a:rPr lang="en-US"/>
               <a:t>Click to edit Master subtitle style</a:t>
             </a:r>
-            <a:endParaRPr lang="en-US"/>
           </a:p>
         </p:txBody>
       </p:sp>
@@ -1305,7 +1494,7 @@
           <a:p>
             <a:fld id="{1AE7E1A9-62C0-354D-BD77-CC49624E8574}" type="datetime1">
               <a:rPr lang="en-US" smtClean="0"/>
-              <a:t>1/11/18</a:t>
+              <a:t>2/14/18</a:t>
             </a:fld>
             <a:endParaRPr lang="en-US"/>
           </a:p>
@@ -1395,10 +1584,9 @@
           <a:lstStyle/>
           <a:p>
             <a:r>
-              <a:rPr lang="en-US" smtClean="0"/>
+              <a:rPr lang="en-US"/>
               <a:t>Click to edit Master title style</a:t>
             </a:r>
-            <a:endParaRPr lang="en-US"/>
           </a:p>
         </p:txBody>
       </p:sp>
@@ -1419,38 +1607,37 @@
           <a:p>
             <a:pPr lvl="0"/>
             <a:r>
-              <a:rPr lang="en-US" smtClean="0"/>
+              <a:rPr lang="en-US"/>
               <a:t>Click to edit Master text styles</a:t>
             </a:r>
           </a:p>
           <a:p>
             <a:pPr lvl="1"/>
             <a:r>
-              <a:rPr lang="en-US" smtClean="0"/>
+              <a:rPr lang="en-US"/>
               <a:t>Second level</a:t>
             </a:r>
           </a:p>
           <a:p>
             <a:pPr lvl="2"/>
             <a:r>
-              <a:rPr lang="en-US" smtClean="0"/>
+              <a:rPr lang="en-US"/>
               <a:t>Third level</a:t>
             </a:r>
           </a:p>
           <a:p>
             <a:pPr lvl="3"/>
             <a:r>
-              <a:rPr lang="en-US" smtClean="0"/>
+              <a:rPr lang="en-US"/>
               <a:t>Fourth level</a:t>
             </a:r>
           </a:p>
           <a:p>
             <a:pPr lvl="4"/>
             <a:r>
-              <a:rPr lang="en-US" smtClean="0"/>
+              <a:rPr lang="en-US"/>
               <a:t>Fifth level</a:t>
             </a:r>
-            <a:endParaRPr lang="en-US"/>
           </a:p>
         </p:txBody>
       </p:sp>
@@ -1471,7 +1658,7 @@
           <a:p>
             <a:fld id="{A6D97B62-3267-294F-93B3-A9B1369070EA}" type="datetime1">
               <a:rPr lang="en-US" smtClean="0"/>
-              <a:t>1/11/18</a:t>
+              <a:t>2/14/18</a:t>
             </a:fld>
             <a:endParaRPr lang="en-US"/>
           </a:p>
@@ -1566,10 +1753,9 @@
           <a:lstStyle/>
           <a:p>
             <a:r>
-              <a:rPr lang="en-US" smtClean="0"/>
+              <a:rPr lang="en-US"/>
               <a:t>Click to edit Master title style</a:t>
             </a:r>
-            <a:endParaRPr lang="en-US"/>
           </a:p>
         </p:txBody>
       </p:sp>
@@ -1595,38 +1781,37 @@
           <a:p>
             <a:pPr lvl="0"/>
             <a:r>
-              <a:rPr lang="en-US" smtClean="0"/>
+              <a:rPr lang="en-US"/>
               <a:t>Click to edit Master text styles</a:t>
             </a:r>
           </a:p>
           <a:p>
             <a:pPr lvl="1"/>
             <a:r>
-              <a:rPr lang="en-US" smtClean="0"/>
+              <a:rPr lang="en-US"/>
               <a:t>Second level</a:t>
             </a:r>
           </a:p>
           <a:p>
             <a:pPr lvl="2"/>
             <a:r>
-              <a:rPr lang="en-US" smtClean="0"/>
+              <a:rPr lang="en-US"/>
               <a:t>Third level</a:t>
             </a:r>
           </a:p>
           <a:p>
             <a:pPr lvl="3"/>
             <a:r>
-              <a:rPr lang="en-US" smtClean="0"/>
+              <a:rPr lang="en-US"/>
               <a:t>Fourth level</a:t>
             </a:r>
           </a:p>
           <a:p>
             <a:pPr lvl="4"/>
             <a:r>
-              <a:rPr lang="en-US" smtClean="0"/>
+              <a:rPr lang="en-US"/>
               <a:t>Fifth level</a:t>
             </a:r>
-            <a:endParaRPr lang="en-US"/>
           </a:p>
         </p:txBody>
       </p:sp>
@@ -1647,7 +1832,7 @@
           <a:p>
             <a:fld id="{748C0FC8-6803-FF4F-BF70-5F860EDBD7C2}" type="datetime1">
               <a:rPr lang="en-US" smtClean="0"/>
-              <a:t>1/11/18</a:t>
+              <a:t>2/14/18</a:t>
             </a:fld>
             <a:endParaRPr lang="en-US"/>
           </a:p>
@@ -1737,10 +1922,9 @@
           <a:lstStyle/>
           <a:p>
             <a:r>
-              <a:rPr lang="en-US" smtClean="0"/>
+              <a:rPr lang="en-US"/>
               <a:t>Click to edit Master title style</a:t>
             </a:r>
-            <a:endParaRPr lang="en-US"/>
           </a:p>
         </p:txBody>
       </p:sp>
@@ -1761,38 +1945,37 @@
           <a:p>
             <a:pPr lvl="0"/>
             <a:r>
-              <a:rPr lang="en-US" smtClean="0"/>
+              <a:rPr lang="en-US"/>
               <a:t>Click to edit Master text styles</a:t>
             </a:r>
           </a:p>
           <a:p>
             <a:pPr lvl="1"/>
             <a:r>
-              <a:rPr lang="en-US" smtClean="0"/>
+              <a:rPr lang="en-US"/>
               <a:t>Second level</a:t>
             </a:r>
           </a:p>
           <a:p>
             <a:pPr lvl="2"/>
             <a:r>
-              <a:rPr lang="en-US" smtClean="0"/>
+              <a:rPr lang="en-US"/>
               <a:t>Third level</a:t>
             </a:r>
           </a:p>
           <a:p>
             <a:pPr lvl="3"/>
             <a:r>
-              <a:rPr lang="en-US" smtClean="0"/>
+              <a:rPr lang="en-US"/>
               <a:t>Fourth level</a:t>
             </a:r>
           </a:p>
           <a:p>
             <a:pPr lvl="4"/>
             <a:r>
-              <a:rPr lang="en-US" smtClean="0"/>
+              <a:rPr lang="en-US"/>
               <a:t>Fifth level</a:t>
             </a:r>
-            <a:endParaRPr lang="en-US"/>
           </a:p>
         </p:txBody>
       </p:sp>
@@ -1813,7 +1996,7 @@
           <a:p>
             <a:fld id="{79F1C667-4240-8249-A2DE-FD4A3DB93E16}" type="datetime1">
               <a:rPr lang="en-US" smtClean="0"/>
-              <a:t>1/11/18</a:t>
+              <a:t>2/14/18</a:t>
             </a:fld>
             <a:endParaRPr lang="en-US"/>
           </a:p>
@@ -1912,10 +2095,9 @@
           </a:lstStyle>
           <a:p>
             <a:r>
-              <a:rPr lang="en-US" smtClean="0"/>
+              <a:rPr lang="en-US"/>
               <a:t>Click to edit Master title style</a:t>
             </a:r>
-            <a:endParaRPr lang="en-US"/>
           </a:p>
         </p:txBody>
       </p:sp>
@@ -2032,7 +2214,7 @@
           <a:p>
             <a:pPr lvl="0"/>
             <a:r>
-              <a:rPr lang="en-US" smtClean="0"/>
+              <a:rPr lang="en-US"/>
               <a:t>Click to edit Master text styles</a:t>
             </a:r>
           </a:p>
@@ -2055,7 +2237,7 @@
           <a:p>
             <a:fld id="{549C2661-E6C7-2E44-BF7F-6C24AD2E94B2}" type="datetime1">
               <a:rPr lang="en-US" smtClean="0"/>
-              <a:t>1/11/18</a:t>
+              <a:t>2/14/18</a:t>
             </a:fld>
             <a:endParaRPr lang="en-US"/>
           </a:p>
@@ -2145,10 +2327,9 @@
           <a:lstStyle/>
           <a:p>
             <a:r>
-              <a:rPr lang="en-US" smtClean="0"/>
+              <a:rPr lang="en-US"/>
               <a:t>Click to edit Master title style</a:t>
             </a:r>
-            <a:endParaRPr lang="en-US"/>
           </a:p>
         </p:txBody>
       </p:sp>
@@ -2202,38 +2383,37 @@
           <a:p>
             <a:pPr lvl="0"/>
             <a:r>
-              <a:rPr lang="en-US" smtClean="0"/>
+              <a:rPr lang="en-US"/>
               <a:t>Click to edit Master text styles</a:t>
             </a:r>
           </a:p>
           <a:p>
             <a:pPr lvl="1"/>
             <a:r>
-              <a:rPr lang="en-US" smtClean="0"/>
+              <a:rPr lang="en-US"/>
               <a:t>Second level</a:t>
             </a:r>
           </a:p>
           <a:p>
             <a:pPr lvl="2"/>
             <a:r>
-              <a:rPr lang="en-US" smtClean="0"/>
+              <a:rPr lang="en-US"/>
               <a:t>Third level</a:t>
             </a:r>
           </a:p>
           <a:p>
             <a:pPr lvl="3"/>
             <a:r>
-              <a:rPr lang="en-US" smtClean="0"/>
+              <a:rPr lang="en-US"/>
               <a:t>Fourth level</a:t>
             </a:r>
           </a:p>
           <a:p>
             <a:pPr lvl="4"/>
             <a:r>
-              <a:rPr lang="en-US" smtClean="0"/>
+              <a:rPr lang="en-US"/>
               <a:t>Fifth level</a:t>
             </a:r>
-            <a:endParaRPr lang="en-US"/>
           </a:p>
         </p:txBody>
       </p:sp>
@@ -2287,38 +2467,37 @@
           <a:p>
             <a:pPr lvl="0"/>
             <a:r>
-              <a:rPr lang="en-US" smtClean="0"/>
+              <a:rPr lang="en-US"/>
               <a:t>Click to edit Master text styles</a:t>
             </a:r>
           </a:p>
           <a:p>
             <a:pPr lvl="1"/>
             <a:r>
-              <a:rPr lang="en-US" smtClean="0"/>
+              <a:rPr lang="en-US"/>
               <a:t>Second level</a:t>
             </a:r>
           </a:p>
           <a:p>
             <a:pPr lvl="2"/>
             <a:r>
-              <a:rPr lang="en-US" smtClean="0"/>
+              <a:rPr lang="en-US"/>
               <a:t>Third level</a:t>
             </a:r>
           </a:p>
           <a:p>
             <a:pPr lvl="3"/>
             <a:r>
-              <a:rPr lang="en-US" smtClean="0"/>
+              <a:rPr lang="en-US"/>
               <a:t>Fourth level</a:t>
             </a:r>
           </a:p>
           <a:p>
             <a:pPr lvl="4"/>
             <a:r>
-              <a:rPr lang="en-US" smtClean="0"/>
+              <a:rPr lang="en-US"/>
               <a:t>Fifth level</a:t>
             </a:r>
-            <a:endParaRPr lang="en-US"/>
           </a:p>
         </p:txBody>
       </p:sp>
@@ -2339,7 +2518,7 @@
           <a:p>
             <a:fld id="{DC091BF2-F989-F34D-BD4F-5F061B47E885}" type="datetime1">
               <a:rPr lang="en-US" smtClean="0"/>
-              <a:t>1/11/18</a:t>
+              <a:t>2/14/18</a:t>
             </a:fld>
             <a:endParaRPr lang="en-US"/>
           </a:p>
@@ -2433,10 +2612,9 @@
           </a:lstStyle>
           <a:p>
             <a:r>
-              <a:rPr lang="en-US" smtClean="0"/>
+              <a:rPr lang="en-US"/>
               <a:t>Click to edit Master title style</a:t>
             </a:r>
-            <a:endParaRPr lang="en-US"/>
           </a:p>
         </p:txBody>
       </p:sp>
@@ -2499,7 +2677,7 @@
           <a:p>
             <a:pPr lvl="0"/>
             <a:r>
-              <a:rPr lang="en-US" smtClean="0"/>
+              <a:rPr lang="en-US"/>
               <a:t>Click to edit Master text styles</a:t>
             </a:r>
           </a:p>
@@ -2555,38 +2733,37 @@
           <a:p>
             <a:pPr lvl="0"/>
             <a:r>
-              <a:rPr lang="en-US" smtClean="0"/>
+              <a:rPr lang="en-US"/>
               <a:t>Click to edit Master text styles</a:t>
             </a:r>
           </a:p>
           <a:p>
             <a:pPr lvl="1"/>
             <a:r>
-              <a:rPr lang="en-US" smtClean="0"/>
+              <a:rPr lang="en-US"/>
               <a:t>Second level</a:t>
             </a:r>
           </a:p>
           <a:p>
             <a:pPr lvl="2"/>
             <a:r>
-              <a:rPr lang="en-US" smtClean="0"/>
+              <a:rPr lang="en-US"/>
               <a:t>Third level</a:t>
             </a:r>
           </a:p>
           <a:p>
             <a:pPr lvl="3"/>
             <a:r>
-              <a:rPr lang="en-US" smtClean="0"/>
+              <a:rPr lang="en-US"/>
               <a:t>Fourth level</a:t>
             </a:r>
           </a:p>
           <a:p>
             <a:pPr lvl="4"/>
             <a:r>
-              <a:rPr lang="en-US" smtClean="0"/>
+              <a:rPr lang="en-US"/>
               <a:t>Fifth level</a:t>
             </a:r>
-            <a:endParaRPr lang="en-US"/>
           </a:p>
         </p:txBody>
       </p:sp>
@@ -2649,7 +2826,7 @@
           <a:p>
             <a:pPr lvl="0"/>
             <a:r>
-              <a:rPr lang="en-US" smtClean="0"/>
+              <a:rPr lang="en-US"/>
               <a:t>Click to edit Master text styles</a:t>
             </a:r>
           </a:p>
@@ -2705,38 +2882,37 @@
           <a:p>
             <a:pPr lvl="0"/>
             <a:r>
-              <a:rPr lang="en-US" smtClean="0"/>
+              <a:rPr lang="en-US"/>
               <a:t>Click to edit Master text styles</a:t>
             </a:r>
           </a:p>
           <a:p>
             <a:pPr lvl="1"/>
             <a:r>
-              <a:rPr lang="en-US" smtClean="0"/>
+              <a:rPr lang="en-US"/>
               <a:t>Second level</a:t>
             </a:r>
           </a:p>
           <a:p>
             <a:pPr lvl="2"/>
             <a:r>
-              <a:rPr lang="en-US" smtClean="0"/>
+              <a:rPr lang="en-US"/>
               <a:t>Third level</a:t>
             </a:r>
           </a:p>
           <a:p>
             <a:pPr lvl="3"/>
             <a:r>
-              <a:rPr lang="en-US" smtClean="0"/>
+              <a:rPr lang="en-US"/>
               <a:t>Fourth level</a:t>
             </a:r>
           </a:p>
           <a:p>
             <a:pPr lvl="4"/>
             <a:r>
-              <a:rPr lang="en-US" smtClean="0"/>
+              <a:rPr lang="en-US"/>
               <a:t>Fifth level</a:t>
             </a:r>
-            <a:endParaRPr lang="en-US"/>
           </a:p>
         </p:txBody>
       </p:sp>
@@ -2757,7 +2933,7 @@
           <a:p>
             <a:fld id="{30F3E183-1C58-DE4A-A71B-67B13D004AC3}" type="datetime1">
               <a:rPr lang="en-US" smtClean="0"/>
-              <a:t>1/11/18</a:t>
+              <a:t>2/14/18</a:t>
             </a:fld>
             <a:endParaRPr lang="en-US"/>
           </a:p>
@@ -2847,10 +3023,9 @@
           <a:lstStyle/>
           <a:p>
             <a:r>
-              <a:rPr lang="en-US" smtClean="0"/>
+              <a:rPr lang="en-US"/>
               <a:t>Click to edit Master title style</a:t>
             </a:r>
-            <a:endParaRPr lang="en-US"/>
           </a:p>
         </p:txBody>
       </p:sp>
@@ -2871,7 +3046,7 @@
           <a:p>
             <a:fld id="{0680B746-8A3A-C047-894B-024A65BBF021}" type="datetime1">
               <a:rPr lang="en-US" smtClean="0"/>
-              <a:t>1/11/18</a:t>
+              <a:t>2/14/18</a:t>
             </a:fld>
             <a:endParaRPr lang="en-US"/>
           </a:p>
@@ -2962,7 +3137,7 @@
           <a:p>
             <a:fld id="{165E7AE8-70FA-4A4F-BB18-8947D1003463}" type="datetime1">
               <a:rPr lang="en-US" smtClean="0"/>
-              <a:t>1/11/18</a:t>
+              <a:t>2/14/18</a:t>
             </a:fld>
             <a:endParaRPr lang="en-US"/>
           </a:p>
@@ -3061,10 +3236,9 @@
           </a:lstStyle>
           <a:p>
             <a:r>
-              <a:rPr lang="en-US" smtClean="0"/>
+              <a:rPr lang="en-US"/>
               <a:t>Click to edit Master title style</a:t>
             </a:r>
-            <a:endParaRPr lang="en-US"/>
           </a:p>
         </p:txBody>
       </p:sp>
@@ -3118,38 +3292,37 @@
           <a:p>
             <a:pPr lvl="0"/>
             <a:r>
-              <a:rPr lang="en-US" smtClean="0"/>
+              <a:rPr lang="en-US"/>
               <a:t>Click to edit Master text styles</a:t>
             </a:r>
           </a:p>
           <a:p>
             <a:pPr lvl="1"/>
             <a:r>
-              <a:rPr lang="en-US" smtClean="0"/>
+              <a:rPr lang="en-US"/>
               <a:t>Second level</a:t>
             </a:r>
           </a:p>
           <a:p>
             <a:pPr lvl="2"/>
             <a:r>
-              <a:rPr lang="en-US" smtClean="0"/>
+              <a:rPr lang="en-US"/>
               <a:t>Third level</a:t>
             </a:r>
           </a:p>
           <a:p>
             <a:pPr lvl="3"/>
             <a:r>
-              <a:rPr lang="en-US" smtClean="0"/>
+              <a:rPr lang="en-US"/>
               <a:t>Fourth level</a:t>
             </a:r>
           </a:p>
           <a:p>
             <a:pPr lvl="4"/>
             <a:r>
-              <a:rPr lang="en-US" smtClean="0"/>
+              <a:rPr lang="en-US"/>
               <a:t>Fifth level</a:t>
             </a:r>
-            <a:endParaRPr lang="en-US"/>
           </a:p>
         </p:txBody>
       </p:sp>
@@ -3212,7 +3385,7 @@
           <a:p>
             <a:pPr lvl="0"/>
             <a:r>
-              <a:rPr lang="en-US" smtClean="0"/>
+              <a:rPr lang="en-US"/>
               <a:t>Click to edit Master text styles</a:t>
             </a:r>
           </a:p>
@@ -3235,7 +3408,7 @@
           <a:p>
             <a:fld id="{845C3078-EA8E-3142-8E79-B8DE1E65391A}" type="datetime1">
               <a:rPr lang="en-US" smtClean="0"/>
-              <a:t>1/11/18</a:t>
+              <a:t>2/14/18</a:t>
             </a:fld>
             <a:endParaRPr lang="en-US"/>
           </a:p>
@@ -3334,10 +3507,9 @@
           </a:lstStyle>
           <a:p>
             <a:r>
-              <a:rPr lang="en-US" smtClean="0"/>
+              <a:rPr lang="en-US"/>
               <a:t>Click to edit Master title style</a:t>
             </a:r>
-            <a:endParaRPr lang="en-US"/>
           </a:p>
         </p:txBody>
       </p:sp>
@@ -3461,7 +3633,7 @@
           <a:p>
             <a:pPr lvl="0"/>
             <a:r>
-              <a:rPr lang="en-US" smtClean="0"/>
+              <a:rPr lang="en-US"/>
               <a:t>Click to edit Master text styles</a:t>
             </a:r>
           </a:p>
@@ -3484,7 +3656,7 @@
           <a:p>
             <a:fld id="{A138C791-A0D9-374E-82C0-B569061EE347}" type="datetime1">
               <a:rPr lang="en-US" smtClean="0"/>
-              <a:t>1/11/18</a:t>
+              <a:t>2/14/18</a:t>
             </a:fld>
             <a:endParaRPr lang="en-US"/>
           </a:p>
@@ -3589,10 +3761,9 @@
           <a:lstStyle/>
           <a:p>
             <a:r>
-              <a:rPr lang="en-US" smtClean="0"/>
+              <a:rPr lang="en-US"/>
               <a:t>Click to edit Master title style</a:t>
             </a:r>
-            <a:endParaRPr lang="en-US"/>
           </a:p>
         </p:txBody>
       </p:sp>
@@ -3623,38 +3794,37 @@
           <a:p>
             <a:pPr lvl="0"/>
             <a:r>
-              <a:rPr lang="en-US" smtClean="0"/>
+              <a:rPr lang="en-US"/>
               <a:t>Click to edit Master text styles</a:t>
             </a:r>
           </a:p>
           <a:p>
             <a:pPr lvl="1"/>
             <a:r>
-              <a:rPr lang="en-US" smtClean="0"/>
+              <a:rPr lang="en-US"/>
               <a:t>Second level</a:t>
             </a:r>
           </a:p>
           <a:p>
             <a:pPr lvl="2"/>
             <a:r>
-              <a:rPr lang="en-US" smtClean="0"/>
+              <a:rPr lang="en-US"/>
               <a:t>Third level</a:t>
             </a:r>
           </a:p>
           <a:p>
             <a:pPr lvl="3"/>
             <a:r>
-              <a:rPr lang="en-US" smtClean="0"/>
+              <a:rPr lang="en-US"/>
               <a:t>Fourth level</a:t>
             </a:r>
           </a:p>
           <a:p>
             <a:pPr lvl="4"/>
             <a:r>
-              <a:rPr lang="en-US" smtClean="0"/>
+              <a:rPr lang="en-US"/>
               <a:t>Fifth level</a:t>
             </a:r>
-            <a:endParaRPr lang="en-US"/>
           </a:p>
         </p:txBody>
       </p:sp>
@@ -3693,7 +3863,7 @@
           <a:p>
             <a:fld id="{E9C839F0-F03B-434C-8B6A-41F28CA97D53}" type="datetime1">
               <a:rPr lang="en-US" smtClean="0"/>
-              <a:t>1/11/18</a:t>
+              <a:t>2/14/18</a:t>
             </a:fld>
             <a:endParaRPr lang="en-US"/>
           </a:p>
@@ -4082,13 +4252,8 @@
           <a:p>
             <a:r>
               <a:rPr lang="en-US" dirty="0"/>
-              <a:t>P</a:t>
-            </a:r>
-            <a:r>
-              <a:rPr lang="en-US" dirty="0" smtClean="0"/>
-              <a:t>ython and MySQL tutorial</a:t>
-            </a:r>
-            <a:endParaRPr lang="en-US" dirty="0"/>
+              <a:t>Python and MySQL tutorial</a:t>
+            </a:r>
           </a:p>
         </p:txBody>
       </p:sp>
@@ -4110,51 +4275,36 @@
           <a:lstStyle/>
           <a:p>
             <a:r>
-              <a:rPr lang="en-US" dirty="0" smtClean="0"/>
+              <a:rPr lang="en-US" dirty="0"/>
               <a:t>Cheng </a:t>
             </a:r>
             <a:r>
-              <a:rPr lang="en-US" dirty="0" err="1" smtClean="0"/>
+              <a:rPr lang="en-US" dirty="0" err="1"/>
               <a:t>Nie</a:t>
             </a:r>
-            <a:endParaRPr lang="en-US" dirty="0" smtClean="0"/>
-          </a:p>
-          <a:p>
-            <a:r>
-              <a:rPr lang="en-US" dirty="0" smtClean="0"/>
-              <a:t>Spring </a:t>
-            </a:r>
-            <a:r>
-              <a:rPr lang="en-US" dirty="0" smtClean="0"/>
-              <a:t>2018</a:t>
-            </a:r>
-            <a:endParaRPr lang="en-US" dirty="0" smtClean="0"/>
-          </a:p>
-          <a:p>
-            <a:r>
-              <a:rPr lang="en-US" dirty="0" err="1" smtClean="0"/>
+            <a:endParaRPr lang="en-US" dirty="0"/>
+          </a:p>
+          <a:p>
+            <a:r>
+              <a:rPr lang="en-US" dirty="0"/>
+              <a:t>Spring 2018</a:t>
+            </a:r>
+          </a:p>
+          <a:p>
+            <a:r>
+              <a:rPr lang="en-US" dirty="0" err="1"/>
               <a:t>chengnie.com</a:t>
             </a:r>
             <a:r>
-              <a:rPr lang="en-US" dirty="0" smtClean="0"/>
+              <a:rPr lang="en-US" dirty="0"/>
               <a:t> </a:t>
             </a:r>
-            <a:endParaRPr lang="en-US" dirty="0" smtClean="0"/>
-          </a:p>
-          <a:p>
-            <a:r>
-              <a:rPr lang="en-US" sz="2800" dirty="0" smtClean="0"/>
-              <a:t>Version: </a:t>
-            </a:r>
+          </a:p>
+          <a:p>
             <a:r>
               <a:rPr lang="en-US" sz="2800" dirty="0"/>
-              <a:t>s</a:t>
-            </a:r>
-            <a:r>
-              <a:rPr lang="en-US" sz="2800" dirty="0" smtClean="0"/>
-              <a:t>pring, 2018</a:t>
-            </a:r>
-            <a:endParaRPr lang="en-US" sz="2800" dirty="0"/>
+              <a:t>Version: spring, 2018</a:t>
+            </a:r>
           </a:p>
         </p:txBody>
       </p:sp>
@@ -4192,13 +4342,6 @@
   <p:clrMapOvr>
     <a:masterClrMapping/>
   </p:clrMapOvr>
-  <p:timing>
-    <p:tnLst>
-      <p:par>
-        <p:cTn id="1" dur="indefinite" restart="never" nodeType="tmRoot"/>
-      </p:par>
-    </p:tnLst>
-  </p:timing>
 </p:sld>
 </file>
 
@@ -4237,10 +4380,9 @@
           <a:lstStyle/>
           <a:p>
             <a:r>
-              <a:rPr lang="en-US" dirty="0" smtClean="0"/>
+              <a:rPr lang="en-US" dirty="0"/>
               <a:t>comparison operators</a:t>
             </a:r>
-            <a:endParaRPr lang="en-US" dirty="0"/>
           </a:p>
         </p:txBody>
       </p:sp>
@@ -4264,16 +4406,8 @@
               <a:buChar char="§"/>
             </a:pPr>
             <a:r>
-              <a:rPr lang="en-US" dirty="0" smtClean="0"/>
-              <a:t>&lt; </a:t>
-            </a:r>
-            <a:r>
-              <a:rPr lang="en-US" dirty="0"/>
-              <a:t>(less than</a:t>
-            </a:r>
-            <a:r>
-              <a:rPr lang="en-US" dirty="0" smtClean="0"/>
-              <a:t>)</a:t>
+              <a:rPr lang="en-US" dirty="0"/>
+              <a:t>&lt; (less than)</a:t>
             </a:r>
           </a:p>
           <a:p>
@@ -4282,16 +4416,8 @@
               <a:buChar char="§"/>
             </a:pPr>
             <a:r>
-              <a:rPr lang="en-US" dirty="0" smtClean="0"/>
-              <a:t>&gt; </a:t>
-            </a:r>
-            <a:r>
-              <a:rPr lang="en-US" dirty="0"/>
-              <a:t>(greater than</a:t>
-            </a:r>
-            <a:r>
-              <a:rPr lang="en-US" dirty="0" smtClean="0"/>
-              <a:t>)</a:t>
+              <a:rPr lang="en-US" dirty="0"/>
+              <a:t>&gt; (greater than)</a:t>
             </a:r>
           </a:p>
           <a:p>
@@ -4300,16 +4426,8 @@
               <a:buChar char="§"/>
             </a:pPr>
             <a:r>
-              <a:rPr lang="en-US" dirty="0" smtClean="0"/>
-              <a:t>== </a:t>
-            </a:r>
-            <a:r>
-              <a:rPr lang="en-US" dirty="0"/>
-              <a:t>(equal to</a:t>
-            </a:r>
-            <a:r>
-              <a:rPr lang="en-US" dirty="0" smtClean="0"/>
-              <a:t>)</a:t>
+              <a:rPr lang="en-US" dirty="0"/>
+              <a:t>== (equal to)</a:t>
             </a:r>
           </a:p>
           <a:p>
@@ -4318,16 +4436,8 @@
               <a:buChar char="§"/>
             </a:pPr>
             <a:r>
-              <a:rPr lang="en-US" dirty="0" smtClean="0"/>
-              <a:t>&lt;= </a:t>
-            </a:r>
-            <a:r>
-              <a:rPr lang="en-US" dirty="0"/>
-              <a:t>(less than or equal to</a:t>
-            </a:r>
-            <a:r>
-              <a:rPr lang="en-US" dirty="0" smtClean="0"/>
-              <a:t>)</a:t>
+              <a:rPr lang="en-US" dirty="0"/>
+              <a:t>&lt;= (less than or equal to)</a:t>
             </a:r>
           </a:p>
           <a:p>
@@ -4336,12 +4446,8 @@
               <a:buChar char="§"/>
             </a:pPr>
             <a:r>
-              <a:rPr lang="en-US" dirty="0" smtClean="0"/>
-              <a:t>&gt;= </a:t>
-            </a:r>
-            <a:r>
-              <a:rPr lang="en-US" dirty="0"/>
-              <a:t>(greater than or equal to)</a:t>
+              <a:rPr lang="en-US" dirty="0"/>
+              <a:t>&gt;= (greater than or equal to)</a:t>
             </a:r>
           </a:p>
           <a:p>
@@ -4390,13 +4496,6 @@
   <p:clrMapOvr>
     <a:masterClrMapping/>
   </p:clrMapOvr>
-  <p:timing>
-    <p:tnLst>
-      <p:par>
-        <p:cTn id="1" dur="indefinite" restart="never" nodeType="tmRoot"/>
-      </p:par>
-    </p:tnLst>
-  </p:timing>
 </p:sld>
 </file>
 
@@ -4434,15 +4533,7 @@
           <a:p>
             <a:r>
               <a:rPr lang="en-US" dirty="0"/>
-              <a:t>Built-in Data </a:t>
-            </a:r>
-            <a:r>
-              <a:rPr lang="en-US" dirty="0" smtClean="0"/>
-              <a:t>Type: </a:t>
-            </a:r>
-            <a:r>
-              <a:rPr lang="en-US" dirty="0"/>
-              <a:t>List</a:t>
+              <a:t>Built-in Data Type: List</a:t>
             </a:r>
           </a:p>
         </p:txBody>
@@ -4463,44 +4554,27 @@
           <a:lstStyle/>
           <a:p>
             <a:r>
-              <a:rPr lang="en-US" dirty="0" smtClean="0"/>
-              <a:t>Comma-separated items </a:t>
-            </a:r>
-            <a:r>
-              <a:rPr lang="en-US" dirty="0"/>
-              <a:t>between square </a:t>
-            </a:r>
-            <a:r>
-              <a:rPr lang="en-US" dirty="0" smtClean="0"/>
-              <a:t>brackets</a:t>
-            </a:r>
-          </a:p>
-          <a:p>
-            <a:r>
-              <a:rPr lang="en-US" dirty="0" smtClean="0"/>
-              <a:t>List </a:t>
-            </a:r>
-            <a:r>
-              <a:rPr lang="en-US" dirty="0"/>
-              <a:t>items need not all have the same </a:t>
-            </a:r>
-            <a:r>
-              <a:rPr lang="en-US" dirty="0" smtClean="0"/>
-              <a:t>type</a:t>
-            </a:r>
-          </a:p>
-          <a:p>
-            <a:r>
-              <a:rPr lang="en-US" dirty="0" smtClean="0"/>
+              <a:rPr lang="en-US" dirty="0"/>
+              <a:t>Comma-separated items between square brackets</a:t>
+            </a:r>
+          </a:p>
+          <a:p>
+            <a:r>
+              <a:rPr lang="en-US" dirty="0"/>
+              <a:t>List items need not all have the same type</a:t>
+            </a:r>
+          </a:p>
+          <a:p>
+            <a:r>
+              <a:rPr lang="en-US" dirty="0"/>
               <a:t>Mutable elements</a:t>
             </a:r>
           </a:p>
           <a:p>
             <a:r>
-              <a:rPr lang="en-US" dirty="0" smtClean="0"/>
+              <a:rPr lang="en-US" dirty="0"/>
               <a:t>Very versatile </a:t>
             </a:r>
-            <a:endParaRPr lang="en-US" dirty="0"/>
           </a:p>
         </p:txBody>
       </p:sp>
@@ -4538,13 +4612,6 @@
   <p:clrMapOvr>
     <a:masterClrMapping/>
   </p:clrMapOvr>
-  <p:timing>
-    <p:tnLst>
-      <p:par>
-        <p:cTn id="1" dur="indefinite" restart="never" nodeType="tmRoot"/>
-      </p:par>
-    </p:tnLst>
-  </p:timing>
 </p:sld>
 </file>
 
@@ -4581,10 +4648,9 @@
           <a:lstStyle/>
           <a:p>
             <a:r>
-              <a:rPr lang="en-US" dirty="0" smtClean="0"/>
+              <a:rPr lang="en-US" dirty="0"/>
               <a:t>Built-in Data Types other than list</a:t>
             </a:r>
-            <a:endParaRPr lang="en-US" dirty="0"/>
           </a:p>
         </p:txBody>
       </p:sp>
@@ -4604,16 +4670,8 @@
           <a:lstStyle/>
           <a:p>
             <a:r>
-              <a:rPr lang="en-US" dirty="0" smtClean="0"/>
-              <a:t>tuple: Similar </a:t>
-            </a:r>
-            <a:r>
-              <a:rPr lang="en-US" dirty="0"/>
-              <a:t>to list, but </a:t>
-            </a:r>
-            <a:r>
-              <a:rPr lang="en-US" dirty="0" smtClean="0"/>
-              <a:t>immutable</a:t>
+              <a:rPr lang="en-US" dirty="0"/>
+              <a:t>tuple: Similar to list, but immutable</a:t>
             </a:r>
           </a:p>
           <a:p>
@@ -4623,11 +4681,11 @@
             </a:r>
             <a:r>
               <a:rPr lang="en-US" dirty="0"/>
-              <a:t>: unordered set of </a:t>
+              <a:t>: unordered set of {</a:t>
             </a:r>
             <a:r>
               <a:rPr lang="en-US" i="1" dirty="0"/>
-              <a:t>key: value</a:t>
+              <a:t>key: value}</a:t>
             </a:r>
             <a:r>
               <a:rPr lang="en-US" dirty="0"/>
@@ -4635,7 +4693,7 @@
             </a:r>
           </a:p>
           <a:p>
-            <a:endParaRPr lang="en-US" dirty="0" smtClean="0"/>
+            <a:endParaRPr lang="en-US" dirty="0"/>
           </a:p>
           <a:p>
             <a:endParaRPr lang="en-US" dirty="0"/>
@@ -4676,13 +4734,6 @@
   <p:clrMapOvr>
     <a:masterClrMapping/>
   </p:clrMapOvr>
-  <p:timing>
-    <p:tnLst>
-      <p:par>
-        <p:cTn id="1" dur="indefinite" restart="never" nodeType="tmRoot"/>
-      </p:par>
-    </p:tnLst>
-  </p:timing>
 </p:sld>
 </file>
 
@@ -4719,10 +4770,9 @@
           <a:lstStyle/>
           <a:p>
             <a:r>
-              <a:rPr lang="en-US" dirty="0" smtClean="0"/>
+              <a:rPr lang="en-US" dirty="0"/>
               <a:t>Control flow</a:t>
             </a:r>
-            <a:endParaRPr lang="en-US" dirty="0"/>
           </a:p>
         </p:txBody>
       </p:sp>
@@ -4743,25 +4793,20 @@
           <a:p>
             <a:r>
               <a:rPr lang="en-US" dirty="0"/>
-              <a:t>i</a:t>
-            </a:r>
-            <a:r>
-              <a:rPr lang="en-US" dirty="0" smtClean="0"/>
-              <a:t>f</a:t>
-            </a:r>
-          </a:p>
-          <a:p>
-            <a:r>
-              <a:rPr lang="en-US" dirty="0" smtClean="0"/>
+              <a:t>if</a:t>
+            </a:r>
+          </a:p>
+          <a:p>
+            <a:r>
+              <a:rPr lang="en-US" dirty="0"/>
               <a:t>while</a:t>
             </a:r>
           </a:p>
           <a:p>
             <a:r>
-              <a:rPr lang="en-US" dirty="0" smtClean="0"/>
+              <a:rPr lang="en-US" dirty="0"/>
               <a:t>for</a:t>
             </a:r>
-            <a:endParaRPr lang="en-US" dirty="0"/>
           </a:p>
         </p:txBody>
       </p:sp>
@@ -4799,13 +4844,6 @@
   <p:clrMapOvr>
     <a:masterClrMapping/>
   </p:clrMapOvr>
-  <p:timing>
-    <p:tnLst>
-      <p:par>
-        <p:cTn id="1" dur="indefinite" restart="never" nodeType="tmRoot"/>
-      </p:par>
-    </p:tnLst>
-  </p:timing>
 </p:sld>
 </file>
 
@@ -4842,18 +4880,17 @@
           <a:lstStyle/>
           <a:p>
             <a:r>
-              <a:rPr lang="en-US" dirty="0" smtClean="0"/>
+              <a:rPr lang="en-US" dirty="0"/>
               <a:t>Indentation </a:t>
             </a:r>
             <a:r>
-              <a:rPr lang="en-US" dirty="0" err="1" smtClean="0"/>
+              <a:rPr lang="en-US" dirty="0" err="1"/>
               <a:t>v.s</a:t>
             </a:r>
             <a:r>
-              <a:rPr lang="en-US" dirty="0" smtClean="0"/>
+              <a:rPr lang="en-US" dirty="0"/>
               <a:t>. {}</a:t>
             </a:r>
-            <a:endParaRPr lang="en-US" dirty="0"/>
           </a:p>
         </p:txBody>
       </p:sp>
@@ -4874,28 +4911,15 @@
           <a:p>
             <a:r>
               <a:rPr lang="en-US" dirty="0"/>
-              <a:t>I</a:t>
-            </a:r>
-            <a:r>
-              <a:rPr lang="en-US" dirty="0" smtClean="0"/>
-              <a:t>ndentation </a:t>
-            </a:r>
-            <a:r>
-              <a:rPr lang="en-US" dirty="0"/>
-              <a:t>is Python’s way of grouping </a:t>
-            </a:r>
-            <a:r>
-              <a:rPr lang="en-US" dirty="0" smtClean="0"/>
-              <a:t>statements, no more {}</a:t>
+              <a:t>Indentation is Python’s way of grouping statements, no more {}</a:t>
             </a:r>
           </a:p>
           <a:p>
             <a:pPr lvl="1"/>
             <a:r>
-              <a:rPr lang="en-US" dirty="0" smtClean="0"/>
+              <a:rPr lang="en-US" dirty="0"/>
               <a:t>As long as it’s consistent in the program, Python interpreter can understand it. It can at least one space, or at least one tab (4 spaces is preferred)</a:t>
             </a:r>
-            <a:endParaRPr lang="en-US" dirty="0"/>
           </a:p>
         </p:txBody>
       </p:sp>
@@ -4933,13 +4957,6 @@
   <p:clrMapOvr>
     <a:masterClrMapping/>
   </p:clrMapOvr>
-  <p:timing>
-    <p:tnLst>
-      <p:par>
-        <p:cTn id="1" dur="indefinite" restart="never" nodeType="tmRoot"/>
-      </p:par>
-    </p:tnLst>
-  </p:timing>
 </p:sld>
 </file>
 
@@ -4976,10 +4993,9 @@
           <a:lstStyle/>
           <a:p>
             <a:r>
-              <a:rPr lang="en-US" dirty="0" smtClean="0"/>
+              <a:rPr lang="en-US" dirty="0"/>
               <a:t>Function</a:t>
             </a:r>
-            <a:endParaRPr lang="en-US" dirty="0"/>
           </a:p>
         </p:txBody>
       </p:sp>
@@ -4999,19 +5015,15 @@
           <a:lstStyle/>
           <a:p>
             <a:r>
-              <a:rPr lang="en-US" dirty="0" smtClean="0"/>
-              <a:t>Define and us	e a function</a:t>
+              <a:rPr lang="en-US" dirty="0"/>
+              <a:t>Define and use a function</a:t>
             </a:r>
           </a:p>
           <a:p>
             <a:pPr lvl="1"/>
             <a:r>
-              <a:rPr lang="en-US" dirty="0" smtClean="0"/>
-              <a:t>Fibonacci </a:t>
-            </a:r>
-            <a:r>
-              <a:rPr lang="en-US" dirty="0"/>
-              <a:t>series up to n</a:t>
+              <a:rPr lang="en-US" dirty="0"/>
+              <a:t>Fibonacci series up to n</a:t>
             </a:r>
           </a:p>
         </p:txBody>
@@ -5050,13 +5062,6 @@
   <p:clrMapOvr>
     <a:masterClrMapping/>
   </p:clrMapOvr>
-  <p:timing>
-    <p:tnLst>
-      <p:par>
-        <p:cTn id="1" dur="indefinite" restart="never" nodeType="tmRoot"/>
-      </p:par>
-    </p:tnLst>
-  </p:timing>
 </p:sld>
 </file>
 
@@ -5093,11 +5098,11 @@
           <a:lstStyle/>
           <a:p>
             <a:r>
-              <a:rPr lang="en-US" dirty="0" smtClean="0"/>
+              <a:rPr lang="en-US" dirty="0"/>
               <a:t>Example of scraping </a:t>
             </a:r>
             <a:r>
-              <a:rPr lang="en-US" dirty="0" err="1" smtClean="0"/>
+              <a:rPr lang="en-US" dirty="0" err="1"/>
               <a:t>Yelp.com</a:t>
             </a:r>
             <a:endParaRPr lang="en-US" dirty="0"/>
@@ -5120,21 +5125,20 @@
           <a:lstStyle/>
           <a:p>
             <a:r>
-              <a:rPr lang="en-US" dirty="0" smtClean="0"/>
+              <a:rPr lang="en-US" dirty="0"/>
               <a:t>UTD is reviewed on </a:t>
             </a:r>
             <a:r>
-              <a:rPr lang="en-US" dirty="0" err="1" smtClean="0"/>
+              <a:rPr lang="en-US" dirty="0" err="1"/>
               <a:t>Yelp.com</a:t>
             </a:r>
-            <a:endParaRPr lang="en-US" dirty="0" smtClean="0"/>
-          </a:p>
-          <a:p>
-            <a:r>
-              <a:rPr lang="en-US" dirty="0" smtClean="0"/>
+            <a:endParaRPr lang="en-US" dirty="0"/>
+          </a:p>
+          <a:p>
+            <a:r>
+              <a:rPr lang="en-US" dirty="0"/>
               <a:t>Get the individual review’s rating and date</a:t>
             </a:r>
-            <a:endParaRPr lang="en-US" dirty="0"/>
           </a:p>
         </p:txBody>
       </p:sp>
@@ -5172,13 +5176,6 @@
   <p:clrMapOvr>
     <a:masterClrMapping/>
   </p:clrMapOvr>
-  <p:timing>
-    <p:tnLst>
-      <p:par>
-        <p:cTn id="1" dur="indefinite" restart="never" nodeType="tmRoot"/>
-      </p:par>
-    </p:tnLst>
-  </p:timing>
 </p:sld>
 </file>
 
@@ -5215,10 +5212,9 @@
           <a:lstStyle/>
           <a:p>
             <a:r>
-              <a:rPr lang="en-US" dirty="0" smtClean="0"/>
+              <a:rPr lang="en-US" dirty="0"/>
               <a:t>MySQL</a:t>
             </a:r>
-            <a:endParaRPr lang="en-US" dirty="0"/>
           </a:p>
         </p:txBody>
       </p:sp>
@@ -5238,61 +5234,34 @@
           <a:lstStyle/>
           <a:p>
             <a:r>
-              <a:rPr lang="en-US" dirty="0" smtClean="0"/>
-              <a:t>Install MySQL workbench following this </a:t>
-            </a:r>
-            <a:r>
-              <a:rPr lang="en-US" dirty="0" smtClean="0">
+              <a:rPr lang="en-US" dirty="0"/>
+              <a:t>Install MySQL workbench following the instructions on the </a:t>
+            </a:r>
+            <a:r>
+              <a:rPr lang="en-US" dirty="0" err="1"/>
+              <a:t>Jupyter</a:t>
+            </a:r>
+            <a:r>
+              <a:rPr lang="en-US" dirty="0"/>
+              <a:t> Notebook. </a:t>
+            </a:r>
+          </a:p>
+          <a:p>
+            <a:r>
+              <a:rPr lang="en-US" dirty="0"/>
+              <a:t>Reference Manual is </a:t>
+            </a:r>
+            <a:r>
+              <a:rPr lang="en-US" dirty="0">
                 <a:hlinkClick r:id="rId2"/>
               </a:rPr>
-              <a:t>link</a:t>
-            </a:r>
-            <a:endParaRPr lang="en-US" dirty="0" smtClean="0"/>
-          </a:p>
-          <a:p>
-            <a:pPr lvl="1"/>
-            <a:r>
-              <a:rPr lang="en-US" dirty="0"/>
-              <a:t>You might also need to install the prerequisites listed </a:t>
-            </a:r>
-            <a:r>
-              <a:rPr lang="en-US" dirty="0">
-                <a:hlinkClick r:id="rId3"/>
-              </a:rPr>
-              <a:t>here </a:t>
-            </a:r>
-            <a:r>
-              <a:rPr lang="en-US" dirty="0"/>
-              <a:t>before you can install the </a:t>
-            </a:r>
-            <a:r>
-              <a:rPr lang="en-US" dirty="0" smtClean="0"/>
-              <a:t>workbench</a:t>
-            </a:r>
-          </a:p>
-          <a:p>
-            <a:pPr lvl="1"/>
-            <a:r>
-              <a:rPr lang="en-US" dirty="0" smtClean="0"/>
-              <a:t>Use the MySQL installer to add MySQL server.</a:t>
-            </a:r>
-          </a:p>
-          <a:p>
-            <a:r>
-              <a:rPr lang="en-US" dirty="0" smtClean="0"/>
-              <a:t>Reference Manual is </a:t>
-            </a:r>
-            <a:r>
-              <a:rPr lang="en-US" dirty="0" smtClean="0">
-                <a:hlinkClick r:id="rId4"/>
-              </a:rPr>
               <a:t>here</a:t>
             </a:r>
-            <a:endParaRPr lang="en-US" dirty="0" smtClean="0"/>
-          </a:p>
-          <a:p>
-            <a:r>
-              <a:rPr lang="en-US" dirty="0" smtClean="0"/>
+            <a:endParaRPr lang="en-US" dirty="0"/>
+          </a:p>
+          <a:p>
+            <a:r>
+              <a:rPr lang="en-US" dirty="0"/>
               <a:t>Connect to MySQL using the root password you set during the installation</a:t>
             </a:r>
           </a:p>
@@ -5335,13 +5304,6 @@
   <p:clrMapOvr>
     <a:masterClrMapping/>
   </p:clrMapOvr>
-  <p:timing>
-    <p:tnLst>
-      <p:par>
-        <p:cTn id="1" dur="indefinite" restart="never" nodeType="tmRoot"/>
-      </p:par>
-    </p:tnLst>
-  </p:timing>
 </p:sld>
 </file>
 
@@ -5378,10 +5340,9 @@
           <a:lstStyle/>
           <a:p>
             <a:r>
-              <a:rPr lang="en-US" dirty="0" smtClean="0"/>
+              <a:rPr lang="en-US" dirty="0"/>
               <a:t>Access tables</a:t>
             </a:r>
-            <a:endParaRPr lang="en-US" dirty="0"/>
           </a:p>
         </p:txBody>
       </p:sp>
@@ -5401,28 +5362,27 @@
           <a:lstStyle/>
           <a:p>
             <a:r>
-              <a:rPr lang="en-US" dirty="0" smtClean="0"/>
-              <a:t>Database (Schema) -&gt; Table</a:t>
-            </a:r>
-          </a:p>
-          <a:p>
-            <a:r>
-              <a:rPr lang="en-US" dirty="0" smtClean="0"/>
+              <a:rPr lang="en-US" dirty="0"/>
+              <a:t>Database -&gt; Table</a:t>
+            </a:r>
+          </a:p>
+          <a:p>
+            <a:r>
+              <a:rPr lang="en-US" dirty="0"/>
               <a:t>Create database test</a:t>
             </a:r>
           </a:p>
           <a:p>
             <a:r>
-              <a:rPr lang="en-US" dirty="0" smtClean="0"/>
+              <a:rPr lang="en-US" dirty="0"/>
               <a:t>Choose this database by using “use” command</a:t>
             </a:r>
           </a:p>
           <a:p>
             <a:r>
-              <a:rPr lang="en-US" dirty="0" smtClean="0"/>
+              <a:rPr lang="en-US" dirty="0"/>
               <a:t>Create table to store data.</a:t>
             </a:r>
-            <a:endParaRPr lang="en-US" dirty="0"/>
           </a:p>
         </p:txBody>
       </p:sp>
@@ -5460,13 +5420,6 @@
   <p:clrMapOvr>
     <a:masterClrMapping/>
   </p:clrMapOvr>
-  <p:timing>
-    <p:tnLst>
-      <p:par>
-        <p:cTn id="1" dur="indefinite" restart="never" nodeType="tmRoot"/>
-      </p:par>
-    </p:tnLst>
-  </p:timing>
 </p:sld>
 </file>
 
@@ -5510,23 +5463,23 @@
           <a:lstStyle/>
           <a:p>
             <a:r>
-              <a:rPr lang="en-US" dirty="0" smtClean="0"/>
+              <a:rPr lang="en-US" dirty="0"/>
               <a:t>The word "example" is the name of our table, as it came directly after "CREATE TABLE". It is a good idea to use descriptive names when creating a table, such as: </a:t>
             </a:r>
             <a:r>
-              <a:rPr lang="en-US" dirty="0" err="1" smtClean="0"/>
+              <a:rPr lang="en-US" dirty="0" err="1"/>
               <a:t>employee_information</a:t>
             </a:r>
             <a:r>
-              <a:rPr lang="en-US" dirty="0" smtClean="0"/>
+              <a:rPr lang="en-US" dirty="0"/>
               <a:t>, contacts, or </a:t>
             </a:r>
             <a:r>
-              <a:rPr lang="en-US" dirty="0" err="1" smtClean="0"/>
+              <a:rPr lang="en-US" dirty="0" err="1"/>
               <a:t>customer_orders</a:t>
             </a:r>
             <a:r>
-              <a:rPr lang="en-US" dirty="0" smtClean="0"/>
+              <a:rPr lang="en-US" dirty="0"/>
               <a:t>. Clear names will ensure that you will know what the table is about when revisiting it a year after you make it. </a:t>
             </a:r>
           </a:p>
@@ -5578,13 +5531,8 @@
             </a:r>
             <a:r>
               <a:rPr lang="en-US" sz="3200" dirty="0"/>
-              <a:t> not </a:t>
-            </a:r>
-            <a:r>
-              <a:rPr lang="en-US" sz="3200" dirty="0" smtClean="0"/>
-              <a:t>null,</a:t>
-            </a:r>
-            <a:endParaRPr lang="en-US" sz="3200" dirty="0"/>
+              <a:t> not null,</a:t>
+            </a:r>
           </a:p>
           <a:p>
             <a:r>
@@ -5656,13 +5604,6 @@
   <p:clrMapOvr>
     <a:masterClrMapping/>
   </p:clrMapOvr>
-  <p:timing>
-    <p:tnLst>
-      <p:par>
-        <p:cTn id="1" dur="indefinite" restart="never" nodeType="tmRoot"/>
-      </p:par>
-    </p:tnLst>
-  </p:timing>
 </p:sld>
 </file>
 
@@ -5699,10 +5640,9 @@
           <a:lstStyle/>
           <a:p>
             <a:r>
-              <a:rPr lang="en-US" dirty="0" smtClean="0"/>
+              <a:rPr lang="en-US" dirty="0"/>
               <a:t>Motivation</a:t>
             </a:r>
-            <a:endParaRPr lang="en-US" dirty="0"/>
           </a:p>
         </p:txBody>
       </p:sp>
@@ -5727,10 +5667,9 @@
           <a:lstStyle/>
           <a:p>
             <a:r>
-              <a:rPr lang="en-US" dirty="0" smtClean="0"/>
+              <a:rPr lang="en-US" dirty="0"/>
               <a:t>Star Wars special effect team use Python to glue tools using various programming languages</a:t>
             </a:r>
-            <a:endParaRPr lang="en-US" dirty="0"/>
           </a:p>
         </p:txBody>
       </p:sp>
@@ -5811,13 +5750,6 @@
   <p:clrMapOvr>
     <a:masterClrMapping/>
   </p:clrMapOvr>
-  <p:timing>
-    <p:tnLst>
-      <p:par>
-        <p:cTn id="1" dur="indefinite" restart="never" nodeType="tmRoot"/>
-      </p:par>
-    </p:tnLst>
-  </p:timing>
 </p:sld>
 </file>
 
@@ -5861,15 +5793,15 @@
           <a:lstStyle/>
           <a:p>
             <a:r>
-              <a:rPr lang="en-US" dirty="0" smtClean="0"/>
+              <a:rPr lang="en-US" dirty="0"/>
               <a:t>Here we create a column "id" that is not null and belongs to </a:t>
             </a:r>
             <a:r>
-              <a:rPr lang="en-US" dirty="0" err="1" smtClean="0"/>
+              <a:rPr lang="en-US" dirty="0" err="1"/>
               <a:t>int</a:t>
             </a:r>
             <a:r>
-              <a:rPr lang="en-US" dirty="0" smtClean="0"/>
+              <a:rPr lang="en-US" dirty="0"/>
               <a:t> data type. </a:t>
             </a:r>
           </a:p>
@@ -5921,17 +5853,12 @@
             </a:r>
             <a:r>
               <a:rPr lang="en-US" sz="3200" b="1" dirty="0"/>
-              <a:t> not </a:t>
-            </a:r>
-            <a:r>
-              <a:rPr lang="en-US" sz="3200" b="1" dirty="0" smtClean="0"/>
-              <a:t>null</a:t>
-            </a:r>
-            <a:r>
-              <a:rPr lang="en-US" sz="3200" dirty="0" smtClean="0"/>
+              <a:t> not null</a:t>
+            </a:r>
+            <a:r>
+              <a:rPr lang="en-US" sz="3200" dirty="0"/>
               <a:t>,</a:t>
             </a:r>
-            <a:endParaRPr lang="en-US" sz="3200" dirty="0"/>
           </a:p>
           <a:p>
             <a:r>
@@ -6003,13 +5930,6 @@
   <p:clrMapOvr>
     <a:masterClrMapping/>
   </p:clrMapOvr>
-  <p:timing>
-    <p:tnLst>
-      <p:par>
-        <p:cTn id="1" dur="indefinite" restart="never" nodeType="tmRoot"/>
-      </p:par>
-    </p:tnLst>
-  </p:timing>
 </p:sld>
 </file>
 
@@ -6053,46 +5973,46 @@
           <a:lstStyle/>
           <a:p>
             <a:r>
-              <a:rPr lang="en-US" b="1" dirty="0" smtClean="0"/>
+              <a:rPr lang="en-US" b="1" dirty="0"/>
               <a:t>Reserved </a:t>
             </a:r>
             <a:r>
-              <a:rPr lang="en-US" b="1" dirty="0" err="1" smtClean="0"/>
+              <a:rPr lang="en-US" b="1" dirty="0" err="1"/>
               <a:t>MySQL</a:t>
             </a:r>
             <a:r>
-              <a:rPr lang="en-US" b="1" dirty="0" smtClean="0"/>
+              <a:rPr lang="en-US" b="1" dirty="0"/>
               <a:t> Keywords</a:t>
             </a:r>
             <a:r>
-              <a:rPr lang="en-US" dirty="0" smtClean="0"/>
+              <a:rPr lang="en-US" dirty="0"/>
               <a:t>: </a:t>
             </a:r>
             <a:br>
-              <a:rPr lang="en-US" dirty="0" smtClean="0"/>
+              <a:rPr lang="en-US" dirty="0"/>
             </a:br>
             <a:r>
-              <a:rPr lang="en-US" dirty="0" smtClean="0"/>
+              <a:rPr lang="en-US" dirty="0"/>
               <a:t>Here are a few quick definitions of the reserved words used in this line of code: </a:t>
             </a:r>
           </a:p>
           <a:p>
             <a:r>
-              <a:rPr lang="en-US" b="1" dirty="0" smtClean="0"/>
+              <a:rPr lang="en-US" b="1" dirty="0"/>
               <a:t>INT</a:t>
             </a:r>
             <a:r>
-              <a:rPr lang="en-US" dirty="0" smtClean="0"/>
+              <a:rPr lang="en-US" dirty="0"/>
               <a:t> - This stands for integer or whole number. 'id' has been defined to be an integer.</a:t>
             </a:r>
           </a:p>
           <a:p>
             <a:r>
-              <a:rPr lang="en-US" b="1" dirty="0" smtClean="0"/>
+              <a:rPr lang="en-US" b="1" dirty="0"/>
               <a:t>NOT NULL</a:t>
             </a:r>
             <a:r>
-              <a:rPr lang="en-US" dirty="0" smtClean="0"/>
+              <a:rPr lang="en-US" dirty="0"/>
               <a:t> - These are actually two keywords, but they combine together to say that this column cannot be null. An entry is NOT NULL only if it has some value, while something with no value is NULL.</a:t>
             </a:r>
           </a:p>
@@ -6144,17 +6064,12 @@
             </a:r>
             <a:r>
               <a:rPr lang="en-US" sz="3200" b="1" dirty="0"/>
-              <a:t> not </a:t>
-            </a:r>
-            <a:r>
-              <a:rPr lang="en-US" sz="3200" b="1" dirty="0" smtClean="0"/>
-              <a:t>null</a:t>
-            </a:r>
-            <a:r>
-              <a:rPr lang="en-US" sz="3200" dirty="0" smtClean="0"/>
+              <a:t> not null</a:t>
+            </a:r>
+            <a:r>
+              <a:rPr lang="en-US" sz="3200" dirty="0"/>
               <a:t>,</a:t>
             </a:r>
-            <a:endParaRPr lang="en-US" sz="3200" dirty="0"/>
           </a:p>
           <a:p>
             <a:r>
@@ -6226,13 +6141,6 @@
   <p:clrMapOvr>
     <a:masterClrMapping/>
   </p:clrMapOvr>
-  <p:timing>
-    <p:tnLst>
-      <p:par>
-        <p:cTn id="1" dur="indefinite" restart="never" nodeType="tmRoot"/>
-      </p:par>
-    </p:tnLst>
-  </p:timing>
 </p:sld>
 </file>
 
@@ -6276,13 +6184,13 @@
           <a:lstStyle/>
           <a:p>
             <a:r>
-              <a:rPr lang="en-US" dirty="0" smtClean="0"/>
+              <a:rPr lang="en-US" dirty="0"/>
               <a:t>Here we make a new column with the name "name"! VARCHAR stands for "variable character". "Character" means that you can put in any kind of typed information in this column (letters, numbers, symbols, etc). It's "variable" because it can adjust its size to store as little as 0 characters and up to a specified maximum number of characters.</a:t>
             </a:r>
           </a:p>
           <a:p>
             <a:r>
-              <a:rPr lang="en-US" dirty="0" smtClean="0"/>
+              <a:rPr lang="en-US" dirty="0"/>
               <a:t>We will most likely only be using this name column to store characters (A-Z, a-z). The number inside the parentheses sets the maximum number of characters. In this case, the max is 30. </a:t>
             </a:r>
           </a:p>
@@ -6331,13 +6239,8 @@
             </a:r>
             <a:r>
               <a:rPr lang="en-US" sz="3200" dirty="0"/>
-              <a:t> not </a:t>
-            </a:r>
-            <a:r>
-              <a:rPr lang="en-US" sz="3200" dirty="0" smtClean="0"/>
-              <a:t>null,</a:t>
-            </a:r>
-            <a:endParaRPr lang="en-US" sz="3200" dirty="0"/>
+              <a:t> not null,</a:t>
+            </a:r>
           </a:p>
           <a:p>
             <a:r>
@@ -6413,13 +6316,6 @@
   <p:clrMapOvr>
     <a:masterClrMapping/>
   </p:clrMapOvr>
-  <p:timing>
-    <p:tnLst>
-      <p:par>
-        <p:cTn id="1" dur="indefinite" restart="never" nodeType="tmRoot"/>
-      </p:par>
-    </p:tnLst>
-  </p:timing>
 </p:sld>
 </file>
 
@@ -6463,8 +6359,8 @@
           <a:lstStyle/>
           <a:p>
             <a:r>
-              <a:rPr lang="en-US" dirty="0" smtClean="0"/>
-              <a:t>Our third and final column is age, which stores an tiny integer. The possible integer values that can be stored in an “TINYINT" are -128 to 127, which is enough to store someone's age! </a:t>
+              <a:rPr lang="en-US" dirty="0"/>
+              <a:t>Our third and final column is age, which stores an tiny integer. The possible integer values that can be stored in an “TINYINT" are -128 to 127, which is enough to store someone's age. </a:t>
             </a:r>
           </a:p>
         </p:txBody>
@@ -6512,13 +6408,8 @@
             </a:r>
             <a:r>
               <a:rPr lang="en-US" sz="3200" dirty="0"/>
-              <a:t> not </a:t>
-            </a:r>
-            <a:r>
-              <a:rPr lang="en-US" sz="3200" dirty="0" smtClean="0"/>
-              <a:t>null,</a:t>
-            </a:r>
-            <a:endParaRPr lang="en-US" sz="3200" dirty="0"/>
+              <a:t> not null,</a:t>
+            </a:r>
           </a:p>
           <a:p>
             <a:r>
@@ -6590,13 +6481,6 @@
   <p:clrMapOvr>
     <a:masterClrMapping/>
   </p:clrMapOvr>
-  <p:timing>
-    <p:tnLst>
-      <p:par>
-        <p:cTn id="1" dur="indefinite" restart="never" nodeType="tmRoot"/>
-      </p:par>
-    </p:tnLst>
-  </p:timing>
 </p:sld>
 </file>
 
@@ -6640,10 +6524,9 @@
           <a:lstStyle/>
           <a:p>
             <a:r>
-              <a:rPr lang="en-US" dirty="0" smtClean="0"/>
+              <a:rPr lang="en-US" dirty="0"/>
               <a:t>PRIMARY KEY is used as a unique identifier for the rows. Here we have made "id" the PRIMARY KEY for this table. This means that no two ids can be the same, or else we will run into trouble. </a:t>
             </a:r>
-            <a:endParaRPr lang="en-US" dirty="0"/>
           </a:p>
         </p:txBody>
       </p:sp>
@@ -6690,13 +6573,8 @@
             </a:r>
             <a:r>
               <a:rPr lang="en-US" sz="3200" dirty="0"/>
-              <a:t> not </a:t>
-            </a:r>
-            <a:r>
-              <a:rPr lang="en-US" sz="3200" dirty="0" smtClean="0"/>
-              <a:t>null,</a:t>
-            </a:r>
-            <a:endParaRPr lang="en-US" sz="3200" dirty="0"/>
+              <a:t> not null,</a:t>
+            </a:r>
           </a:p>
           <a:p>
             <a:r>
@@ -6772,13 +6650,6 @@
   <p:clrMapOvr>
     <a:masterClrMapping/>
   </p:clrMapOvr>
-  <p:timing>
-    <p:tnLst>
-      <p:par>
-        <p:cTn id="1" dur="indefinite" restart="never" nodeType="tmRoot"/>
-      </p:par>
-    </p:tnLst>
-  </p:timing>
 </p:sld>
 </file>
 
@@ -6815,41 +6686,40 @@
           <a:lstStyle/>
           <a:p>
             <a:r>
-              <a:rPr lang="en-US" dirty="0" smtClean="0"/>
+              <a:rPr lang="en-US" dirty="0"/>
               <a:t>Import data</a:t>
             </a:r>
+          </a:p>
+        </p:txBody>
+      </p:sp>
+      <p:sp>
+        <p:nvSpPr>
+          <p:cNvPr id="3" name="Content Placeholder 2"/>
+          <p:cNvSpPr>
+            <a:spLocks noGrp="1"/>
+          </p:cNvSpPr>
+          <p:nvPr>
+            <p:ph idx="1"/>
+          </p:nvPr>
+        </p:nvSpPr>
+        <p:spPr/>
+        <p:txBody>
+          <a:bodyPr/>
+          <a:lstStyle/>
+          <a:p>
+            <a:r>
+              <a:rPr lang="en-US" dirty="0"/>
+              <a:t>Import text file into database for processing</a:t>
+            </a:r>
+          </a:p>
+          <a:p>
+            <a:r>
+              <a:rPr lang="en-US" dirty="0"/>
+              <a:t>Query data</a:t>
+            </a:r>
+          </a:p>
+          <a:p>
             <a:endParaRPr lang="en-US" dirty="0"/>
-          </a:p>
-        </p:txBody>
-      </p:sp>
-      <p:sp>
-        <p:nvSpPr>
-          <p:cNvPr id="3" name="Content Placeholder 2"/>
-          <p:cNvSpPr>
-            <a:spLocks noGrp="1"/>
-          </p:cNvSpPr>
-          <p:nvPr>
-            <p:ph idx="1"/>
-          </p:nvPr>
-        </p:nvSpPr>
-        <p:spPr/>
-        <p:txBody>
-          <a:bodyPr/>
-          <a:lstStyle/>
-          <a:p>
-            <a:r>
-              <a:rPr lang="en-US" dirty="0" smtClean="0"/>
-              <a:t>Import text file into database for processing</a:t>
-            </a:r>
-          </a:p>
-          <a:p>
-            <a:r>
-              <a:rPr lang="en-US" dirty="0" smtClean="0"/>
-              <a:t>Query data</a:t>
-            </a:r>
-          </a:p>
-          <a:p>
-            <a:endParaRPr lang="en-US" dirty="0" smtClean="0"/>
           </a:p>
           <a:p>
             <a:endParaRPr lang="en-US" dirty="0"/>
@@ -6890,13 +6760,6 @@
   <p:clrMapOvr>
     <a:masterClrMapping/>
   </p:clrMapOvr>
-  <p:timing>
-    <p:tnLst>
-      <p:par>
-        <p:cTn id="1" dur="indefinite" restart="never" nodeType="tmRoot"/>
-      </p:par>
-    </p:tnLst>
-  </p:timing>
 </p:sld>
 </file>
 
@@ -6933,7 +6796,7 @@
           <a:lstStyle/>
           <a:p>
             <a:r>
-              <a:rPr lang="en-US" dirty="0" err="1" smtClean="0"/>
+              <a:rPr lang="en-US" dirty="0" err="1"/>
               <a:t>Homeworks</a:t>
             </a:r>
             <a:endParaRPr lang="en-US" dirty="0"/>
@@ -6956,18 +6819,17 @@
           <a:lstStyle/>
           <a:p>
             <a:r>
-              <a:rPr lang="en-US" dirty="0" smtClean="0"/>
+              <a:rPr lang="en-US" dirty="0"/>
               <a:t>Crawl data from </a:t>
             </a:r>
             <a:r>
-              <a:rPr lang="en-US" dirty="0" err="1" smtClean="0"/>
+              <a:rPr lang="en-US" dirty="0" err="1"/>
               <a:t>boxofficemojo.com</a:t>
             </a:r>
             <a:r>
-              <a:rPr lang="en-US" dirty="0" smtClean="0"/>
+              <a:rPr lang="en-US" dirty="0"/>
               <a:t> </a:t>
             </a:r>
-            <a:endParaRPr lang="en-US" dirty="0"/>
           </a:p>
         </p:txBody>
       </p:sp>
@@ -7005,13 +6867,6 @@
   <p:clrMapOvr>
     <a:masterClrMapping/>
   </p:clrMapOvr>
-  <p:timing>
-    <p:tnLst>
-      <p:par>
-        <p:cTn id="1" dur="indefinite" restart="never" nodeType="tmRoot"/>
-      </p:par>
-    </p:tnLst>
-  </p:timing>
 </p:sld>
 </file>
 
@@ -7048,10 +6903,9 @@
           <a:lstStyle/>
           <a:p>
             <a:r>
-              <a:rPr lang="en-US" dirty="0" smtClean="0"/>
+              <a:rPr lang="en-US" dirty="0"/>
               <a:t>Regular Expression</a:t>
             </a:r>
-            <a:endParaRPr lang="en-US" dirty="0"/>
           </a:p>
         </p:txBody>
       </p:sp>
@@ -7077,21 +6931,21 @@
           </a:p>
           <a:p>
             <a:r>
-              <a:rPr lang="en-US" dirty="0" smtClean="0"/>
+              <a:rPr lang="en-US" dirty="0"/>
               <a:t>Match a pattern to a string for further processing:</a:t>
             </a:r>
           </a:p>
           <a:p>
             <a:pPr lvl="1"/>
             <a:r>
-              <a:rPr lang="en-US" dirty="0" smtClean="0"/>
+              <a:rPr lang="en-US" dirty="0"/>
               <a:t>Match</a:t>
             </a:r>
           </a:p>
           <a:p>
             <a:pPr lvl="1"/>
             <a:r>
-              <a:rPr lang="en-US" dirty="0" smtClean="0"/>
+              <a:rPr lang="en-US" dirty="0"/>
               <a:t>Change</a:t>
             </a:r>
           </a:p>
@@ -7143,29 +6997,28 @@
           <a:lstStyle/>
           <a:p>
             <a:r>
-              <a:rPr lang="en-US" dirty="0" smtClean="0"/>
+              <a:rPr lang="en-US" dirty="0"/>
               <a:t>Basic components</a:t>
             </a:r>
+          </a:p>
+        </p:txBody>
+      </p:sp>
+      <p:sp>
+        <p:nvSpPr>
+          <p:cNvPr id="3" name="Content Placeholder 2"/>
+          <p:cNvSpPr>
+            <a:spLocks noGrp="1"/>
+          </p:cNvSpPr>
+          <p:nvPr>
+            <p:ph idx="1"/>
+          </p:nvPr>
+        </p:nvSpPr>
+        <p:spPr/>
+        <p:txBody>
+          <a:bodyPr/>
+          <a:lstStyle/>
+          <a:p>
             <a:endParaRPr lang="en-US" dirty="0"/>
-          </a:p>
-        </p:txBody>
-      </p:sp>
-      <p:sp>
-        <p:nvSpPr>
-          <p:cNvPr id="3" name="Content Placeholder 2"/>
-          <p:cNvSpPr>
-            <a:spLocks noGrp="1"/>
-          </p:cNvSpPr>
-          <p:nvPr>
-            <p:ph idx="1"/>
-          </p:nvPr>
-        </p:nvSpPr>
-        <p:spPr/>
-        <p:txBody>
-          <a:bodyPr/>
-          <a:lstStyle/>
-          <a:p>
-            <a:endParaRPr lang="en-US" dirty="0" smtClean="0"/>
           </a:p>
           <a:p>
             <a:endParaRPr lang="en-US" dirty="0"/>
@@ -7193,8 +7046,20 @@
                 <a:tableStyleId>{5C22544A-7EE6-4342-B048-85BDC9FD1C3A}</a:tableStyleId>
               </a:tblPr>
               <a:tblGrid>
-                <a:gridCol w="3048000"/>
-                <a:gridCol w="3048000"/>
+                <a:gridCol w="3048000">
+                  <a:extLst>
+                    <a:ext uri="{9D8B030D-6E8A-4147-A177-3AD203B41FA5}">
+                      <a16:colId xmlns:a16="http://schemas.microsoft.com/office/drawing/2014/main" val="20000"/>
+                    </a:ext>
+                  </a:extLst>
+                </a:gridCol>
+                <a:gridCol w="3048000">
+                  <a:extLst>
+                    <a:ext uri="{9D8B030D-6E8A-4147-A177-3AD203B41FA5}">
+                      <a16:colId xmlns:a16="http://schemas.microsoft.com/office/drawing/2014/main" val="20001"/>
+                    </a:ext>
+                  </a:extLst>
+                </a:gridCol>
               </a:tblGrid>
               <a:tr h="370840">
                 <a:tc>
@@ -7203,7 +7068,7 @@
                     <a:lstStyle/>
                     <a:p>
                       <a:r>
-                        <a:rPr lang="en-US" sz="1800" b="1" i="0" kern="1200" dirty="0" err="1" smtClean="0">
+                        <a:rPr lang="en-US" sz="1800" b="1" i="0" kern="1200" dirty="0" err="1">
                           <a:solidFill>
                             <a:schemeClr val="lt1"/>
                           </a:solidFill>
@@ -7225,7 +7090,7 @@
                     <a:lstStyle/>
                     <a:p>
                       <a:r>
-                        <a:rPr lang="en-US" sz="1800" b="1" i="0" kern="1200" dirty="0" smtClean="0">
+                        <a:rPr lang="en-US" sz="1800" b="1" i="0" kern="1200" dirty="0">
                           <a:solidFill>
                             <a:schemeClr val="lt1"/>
                           </a:solidFill>
@@ -7241,6 +7106,11 @@
                   </a:txBody>
                   <a:tcPr/>
                 </a:tc>
+                <a:extLst>
+                  <a:ext uri="{0D108BD9-81ED-4DB2-BD59-A6C34878D82A}">
+                    <a16:rowId xmlns:a16="http://schemas.microsoft.com/office/drawing/2014/main" val="10000"/>
+                  </a:ext>
+                </a:extLst>
               </a:tr>
               <a:tr h="370840">
                 <a:tc>
@@ -7249,10 +7119,9 @@
                     <a:lstStyle/>
                     <a:p>
                       <a:r>
-                        <a:rPr lang="en-US" dirty="0" smtClean="0"/>
+                        <a:rPr lang="en-US" dirty="0"/>
                         <a:t>\t</a:t>
                       </a:r>
-                      <a:endParaRPr lang="en-US" dirty="0"/>
                     </a:p>
                   </a:txBody>
                   <a:tcPr/>
@@ -7263,14 +7132,18 @@
                     <a:lstStyle/>
                     <a:p>
                       <a:r>
-                        <a:rPr lang="en-US" dirty="0" smtClean="0"/>
+                        <a:rPr lang="en-US" dirty="0"/>
                         <a:t>tab</a:t>
                       </a:r>
-                      <a:endParaRPr lang="en-US" dirty="0"/>
                     </a:p>
                   </a:txBody>
                   <a:tcPr/>
                 </a:tc>
+                <a:extLst>
+                  <a:ext uri="{0D108BD9-81ED-4DB2-BD59-A6C34878D82A}">
+                    <a16:rowId xmlns:a16="http://schemas.microsoft.com/office/drawing/2014/main" val="10001"/>
+                  </a:ext>
+                </a:extLst>
               </a:tr>
               <a:tr h="370840">
                 <a:tc>
@@ -7279,10 +7152,9 @@
                     <a:lstStyle/>
                     <a:p>
                       <a:r>
-                        <a:rPr lang="en-US" dirty="0" smtClean="0"/>
+                        <a:rPr lang="en-US" dirty="0"/>
                         <a:t>+</a:t>
                       </a:r>
-                      <a:endParaRPr lang="en-US" dirty="0"/>
                     </a:p>
                   </a:txBody>
                   <a:tcPr/>
@@ -7293,7 +7165,7 @@
                     <a:lstStyle/>
                     <a:p>
                       <a:r>
-                        <a:rPr lang="en-US" sz="1800" b="0" i="0" kern="1200" dirty="0" smtClean="0">
+                        <a:rPr lang="en-US" sz="1800" b="0" i="0" kern="1200" dirty="0">
                           <a:solidFill>
                             <a:schemeClr val="dk1"/>
                           </a:solidFill>
@@ -7309,6 +7181,11 @@
                   </a:txBody>
                   <a:tcPr/>
                 </a:tc>
+                <a:extLst>
+                  <a:ext uri="{0D108BD9-81ED-4DB2-BD59-A6C34878D82A}">
+                    <a16:rowId xmlns:a16="http://schemas.microsoft.com/office/drawing/2014/main" val="10002"/>
+                  </a:ext>
+                </a:extLst>
               </a:tr>
               <a:tr h="370840">
                 <a:tc>
@@ -7317,10 +7194,9 @@
                     <a:lstStyle/>
                     <a:p>
                       <a:r>
-                        <a:rPr lang="en-US" dirty="0" smtClean="0"/>
+                        <a:rPr lang="en-US" dirty="0"/>
                         <a:t>\d</a:t>
                       </a:r>
-                      <a:endParaRPr lang="en-US" dirty="0"/>
                     </a:p>
                   </a:txBody>
                   <a:tcPr/>
@@ -7331,7 +7207,7 @@
                     <a:lstStyle/>
                     <a:p>
                       <a:r>
-                        <a:rPr lang="en-US" sz="1800" b="0" i="0" kern="1200" dirty="0" smtClean="0">
+                        <a:rPr lang="en-US" sz="1800" b="0" i="0" kern="1200" dirty="0">
                           <a:solidFill>
                             <a:schemeClr val="dk1"/>
                           </a:solidFill>
@@ -7347,6 +7223,11 @@
                   </a:txBody>
                   <a:tcPr/>
                 </a:tc>
+                <a:extLst>
+                  <a:ext uri="{0D108BD9-81ED-4DB2-BD59-A6C34878D82A}">
+                    <a16:rowId xmlns:a16="http://schemas.microsoft.com/office/drawing/2014/main" val="10003"/>
+                  </a:ext>
+                </a:extLst>
               </a:tr>
               <a:tr h="370840">
                 <a:tc>
@@ -7355,10 +7236,9 @@
                     <a:lstStyle/>
                     <a:p>
                       <a:r>
-                        <a:rPr lang="en-US" dirty="0" smtClean="0"/>
+                        <a:rPr lang="en-US" dirty="0"/>
                         <a:t>[…]</a:t>
                       </a:r>
-                      <a:endParaRPr lang="en-US" dirty="0"/>
                     </a:p>
                   </a:txBody>
                   <a:tcPr/>
@@ -7369,7 +7249,7 @@
                     <a:lstStyle/>
                     <a:p>
                       <a:r>
-                        <a:rPr lang="en-US" sz="1800" b="0" i="0" kern="1200" dirty="0" smtClean="0">
+                        <a:rPr lang="en-US" sz="1800" b="0" i="0" kern="1200" dirty="0">
                           <a:solidFill>
                             <a:schemeClr val="dk1"/>
                           </a:solidFill>
@@ -7385,6 +7265,11 @@
                   </a:txBody>
                   <a:tcPr/>
                 </a:tc>
+                <a:extLst>
+                  <a:ext uri="{0D108BD9-81ED-4DB2-BD59-A6C34878D82A}">
+                    <a16:rowId xmlns:a16="http://schemas.microsoft.com/office/drawing/2014/main" val="10004"/>
+                  </a:ext>
+                </a:extLst>
               </a:tr>
               <a:tr h="370840">
                 <a:tc>
@@ -7393,10 +7278,9 @@
                     <a:lstStyle/>
                     <a:p>
                       <a:r>
-                        <a:rPr lang="en-US" dirty="0" smtClean="0"/>
+                        <a:rPr lang="en-US" dirty="0"/>
                         <a:t>() </a:t>
                       </a:r>
-                      <a:endParaRPr lang="en-US" dirty="0"/>
                     </a:p>
                   </a:txBody>
                   <a:tcPr/>
@@ -7407,14 +7291,18 @@
                     <a:lstStyle/>
                     <a:p>
                       <a:r>
-                        <a:rPr lang="en-US" dirty="0" smtClean="0"/>
+                        <a:rPr lang="en-US" dirty="0"/>
                         <a:t>Groups a series of pattern elements to a single element</a:t>
                       </a:r>
-                      <a:endParaRPr lang="en-US" dirty="0"/>
                     </a:p>
                   </a:txBody>
                   <a:tcPr/>
                 </a:tc>
+                <a:extLst>
+                  <a:ext uri="{0D108BD9-81ED-4DB2-BD59-A6C34878D82A}">
+                    <a16:rowId xmlns:a16="http://schemas.microsoft.com/office/drawing/2014/main" val="10005"/>
+                  </a:ext>
+                </a:extLst>
               </a:tr>
             </a:tbl>
           </a:graphicData>
@@ -7466,39 +7354,38 @@
           <a:lstStyle/>
           <a:p>
             <a:r>
-              <a:rPr lang="en-US" dirty="0" smtClean="0"/>
+              <a:rPr lang="en-US" dirty="0"/>
               <a:t>Examples</a:t>
             </a:r>
+          </a:p>
+        </p:txBody>
+      </p:sp>
+      <p:sp>
+        <p:nvSpPr>
+          <p:cNvPr id="3" name="Content Placeholder 2"/>
+          <p:cNvSpPr>
+            <a:spLocks noGrp="1"/>
+          </p:cNvSpPr>
+          <p:nvPr>
+            <p:ph idx="1"/>
+          </p:nvPr>
+        </p:nvSpPr>
+        <p:spPr/>
+        <p:txBody>
+          <a:bodyPr/>
+          <a:lstStyle/>
+          <a:p>
+            <a:r>
+              <a:rPr lang="en-US" dirty="0"/>
+              <a:t>Space</a:t>
+            </a:r>
+          </a:p>
+          <a:p>
+            <a:r>
+              <a:rPr lang="en-US"/>
+              <a:t>Digits</a:t>
+            </a:r>
             <a:endParaRPr lang="en-US" dirty="0"/>
-          </a:p>
-        </p:txBody>
-      </p:sp>
-      <p:sp>
-        <p:nvSpPr>
-          <p:cNvPr id="3" name="Content Placeholder 2"/>
-          <p:cNvSpPr>
-            <a:spLocks noGrp="1"/>
-          </p:cNvSpPr>
-          <p:nvPr>
-            <p:ph idx="1"/>
-          </p:nvPr>
-        </p:nvSpPr>
-        <p:spPr/>
-        <p:txBody>
-          <a:bodyPr/>
-          <a:lstStyle/>
-          <a:p>
-            <a:r>
-              <a:rPr lang="en-US" dirty="0" smtClean="0"/>
-              <a:t>Space</a:t>
-            </a:r>
-          </a:p>
-          <a:p>
-            <a:r>
-              <a:rPr lang="en-US" smtClean="0"/>
-              <a:t>Digits</a:t>
-            </a:r>
-            <a:endParaRPr lang="en-US" dirty="0" smtClean="0"/>
           </a:p>
         </p:txBody>
       </p:sp>
@@ -7548,10 +7435,9 @@
           <a:lstStyle/>
           <a:p>
             <a:r>
-              <a:rPr lang="en-US" dirty="0" smtClean="0"/>
+              <a:rPr lang="en-US" dirty="0"/>
               <a:t>Motivation</a:t>
             </a:r>
-            <a:endParaRPr lang="en-US" dirty="0"/>
           </a:p>
         </p:txBody>
       </p:sp>
@@ -7767,10 +7653,9 @@
           <a:lstStyle/>
           <a:p>
             <a:r>
-              <a:rPr lang="en-US" dirty="0" smtClean="0"/>
+              <a:rPr lang="en-US" dirty="0"/>
               <a:t>More about index</a:t>
             </a:r>
-            <a:endParaRPr lang="en-US" dirty="0"/>
           </a:p>
         </p:txBody>
       </p:sp>
@@ -7790,16 +7675,15 @@
           <a:lstStyle/>
           <a:p>
             <a:r>
-              <a:rPr lang="en-US" dirty="0" smtClean="0"/>
+              <a:rPr lang="en-US" dirty="0"/>
               <a:t>step not equal to 1</a:t>
             </a:r>
           </a:p>
           <a:p>
             <a:r>
-              <a:rPr lang="en-US" dirty="0" smtClean="0"/>
+              <a:rPr lang="en-US" dirty="0"/>
               <a:t>negative index</a:t>
             </a:r>
-            <a:endParaRPr lang="en-US" dirty="0"/>
           </a:p>
         </p:txBody>
       </p:sp>
@@ -7837,13 +7721,6 @@
   <p:clrMapOvr>
     <a:masterClrMapping/>
   </p:clrMapOvr>
-  <p:timing>
-    <p:tnLst>
-      <p:par>
-        <p:cTn id="1" dur="indefinite" restart="never" nodeType="tmRoot"/>
-      </p:par>
-    </p:tnLst>
-  </p:timing>
 </p:sld>
 </file>
 
@@ -7880,10 +7757,9 @@
           <a:lstStyle/>
           <a:p>
             <a:r>
-              <a:rPr lang="en-US" dirty="0" smtClean="0"/>
+              <a:rPr lang="en-US" dirty="0"/>
               <a:t>More about List</a:t>
             </a:r>
-            <a:endParaRPr lang="en-US" dirty="0"/>
           </a:p>
         </p:txBody>
       </p:sp>
@@ -7903,16 +7779,15 @@
           <a:lstStyle/>
           <a:p>
             <a:r>
-              <a:rPr lang="en-US" dirty="0" smtClean="0"/>
+              <a:rPr lang="en-US" dirty="0"/>
               <a:t>map function</a:t>
             </a:r>
           </a:p>
           <a:p>
             <a:r>
-              <a:rPr lang="en-US" dirty="0" smtClean="0"/>
+              <a:rPr lang="en-US" dirty="0"/>
               <a:t>list comprehension</a:t>
             </a:r>
-            <a:endParaRPr lang="en-US" dirty="0"/>
           </a:p>
         </p:txBody>
       </p:sp>
@@ -7950,13 +7825,6 @@
   <p:clrMapOvr>
     <a:masterClrMapping/>
   </p:clrMapOvr>
-  <p:timing>
-    <p:tnLst>
-      <p:par>
-        <p:cTn id="1" dur="indefinite" restart="never" nodeType="tmRoot"/>
-      </p:par>
-    </p:tnLst>
-  </p:timing>
 </p:sld>
 </file>
 
@@ -7993,10 +7861,9 @@
           <a:lstStyle/>
           <a:p>
             <a:r>
-              <a:rPr lang="en-US" dirty="0" smtClean="0"/>
+              <a:rPr lang="en-US" dirty="0"/>
               <a:t>Outline</a:t>
             </a:r>
-            <a:endParaRPr lang="en-US" dirty="0"/>
           </a:p>
         </p:txBody>
       </p:sp>
@@ -8023,104 +7890,96 @@
           <a:lstStyle/>
           <a:p>
             <a:r>
-              <a:rPr lang="en-US" dirty="0" smtClean="0"/>
+              <a:rPr lang="en-US" dirty="0"/>
               <a:t>Python</a:t>
             </a:r>
           </a:p>
           <a:p>
             <a:pPr lvl="1"/>
             <a:r>
-              <a:rPr lang="en-US" dirty="0" smtClean="0"/>
+              <a:rPr lang="en-US" dirty="0"/>
               <a:t>Installation</a:t>
             </a:r>
           </a:p>
           <a:p>
             <a:pPr lvl="2"/>
             <a:r>
-              <a:rPr lang="en-US" dirty="0" smtClean="0"/>
+              <a:rPr lang="en-US" dirty="0"/>
               <a:t>Python</a:t>
             </a:r>
           </a:p>
           <a:p>
             <a:pPr lvl="1"/>
             <a:r>
-              <a:rPr lang="en-US" dirty="0" smtClean="0"/>
+              <a:rPr lang="en-US" dirty="0"/>
               <a:t>Basic Intro</a:t>
             </a:r>
           </a:p>
           <a:p>
             <a:pPr lvl="2"/>
             <a:r>
-              <a:rPr lang="en-US" dirty="0" smtClean="0"/>
+              <a:rPr lang="en-US" dirty="0"/>
               <a:t>Variables and operators</a:t>
             </a:r>
           </a:p>
           <a:p>
             <a:pPr lvl="2"/>
             <a:r>
-              <a:rPr lang="en-US" dirty="0" smtClean="0"/>
+              <a:rPr lang="en-US" dirty="0"/>
               <a:t>Control flow</a:t>
             </a:r>
           </a:p>
           <a:p>
             <a:pPr lvl="3"/>
             <a:r>
-              <a:rPr lang="en-US" dirty="0" smtClean="0"/>
+              <a:rPr lang="en-US" dirty="0"/>
               <a:t>if/else; while; for</a:t>
             </a:r>
           </a:p>
           <a:p>
             <a:pPr lvl="2"/>
             <a:r>
-              <a:rPr lang="en-US" dirty="0" smtClean="0"/>
+              <a:rPr lang="en-US" dirty="0"/>
               <a:t>Data Structure</a:t>
             </a:r>
           </a:p>
           <a:p>
             <a:pPr lvl="3"/>
             <a:r>
-              <a:rPr lang="en-US" dirty="0" smtClean="0"/>
-              <a:t>list, </a:t>
-            </a:r>
-            <a:r>
-              <a:rPr lang="en-US" dirty="0"/>
-              <a:t>t</a:t>
-            </a:r>
-            <a:r>
-              <a:rPr lang="en-US" dirty="0" smtClean="0"/>
-              <a:t>uple, dictionary</a:t>
-            </a:r>
-          </a:p>
-          <a:p>
-            <a:r>
-              <a:rPr lang="en-US" dirty="0" smtClean="0"/>
+              <a:rPr lang="en-US" dirty="0"/>
+              <a:t>list, tuple, dictionary</a:t>
+            </a:r>
+          </a:p>
+          <a:p>
+            <a:r>
+              <a:rPr lang="en-US" dirty="0"/>
               <a:t>MySQL</a:t>
             </a:r>
           </a:p>
           <a:p>
             <a:pPr lvl="1"/>
             <a:r>
-              <a:rPr lang="en-US" dirty="0" smtClean="0"/>
+              <a:rPr lang="en-US" dirty="0"/>
               <a:t>Installation</a:t>
             </a:r>
           </a:p>
           <a:p>
             <a:pPr lvl="1"/>
             <a:r>
-              <a:rPr lang="en-US" dirty="0" smtClean="0"/>
+              <a:rPr lang="en-US" dirty="0"/>
               <a:t>Create, populate, and query tables</a:t>
             </a:r>
           </a:p>
           <a:p>
             <a:r>
-              <a:rPr lang="en-US" dirty="0" smtClean="0"/>
+              <a:rPr lang="en-US" dirty="0"/>
               <a:t>Fetching data from </a:t>
             </a:r>
             <a:r>
-              <a:rPr lang="en-US" dirty="0" err="1" smtClean="0"/>
+              <a:rPr lang="en-US" dirty="0" err="1"/>
               <a:t>yelp.com</a:t>
             </a:r>
-            <a:endParaRPr lang="en-US" dirty="0" smtClean="0"/>
+            <a:endParaRPr lang="en-US" dirty="0"/>
           </a:p>
           <a:p>
             <a:endParaRPr lang="en-US" dirty="0"/>
@@ -8687,10 +8546,9 @@
           <a:lstStyle/>
           <a:p>
             <a:r>
-              <a:rPr lang="en-US" dirty="0" smtClean="0"/>
+              <a:rPr lang="en-US" dirty="0"/>
               <a:t>Why Python?</a:t>
             </a:r>
-            <a:endParaRPr lang="en-US" dirty="0"/>
           </a:p>
         </p:txBody>
       </p:sp>
@@ -8712,61 +8570,61 @@
           <a:lstStyle/>
           <a:p>
             <a:r>
-              <a:rPr lang="en-US" dirty="0" smtClean="0"/>
+              <a:rPr lang="en-US" dirty="0"/>
               <a:t>It’s open source software</a:t>
             </a:r>
           </a:p>
           <a:p>
             <a:pPr lvl="1"/>
             <a:r>
-              <a:rPr lang="en-US" dirty="0" smtClean="0"/>
+              <a:rPr lang="en-US" dirty="0"/>
               <a:t>Free to use</a:t>
             </a:r>
           </a:p>
           <a:p>
             <a:pPr lvl="1"/>
             <a:r>
-              <a:rPr lang="en-US" dirty="0" smtClean="0"/>
+              <a:rPr lang="en-US" dirty="0"/>
               <a:t>Source code is accessible</a:t>
             </a:r>
           </a:p>
           <a:p>
             <a:pPr lvl="1"/>
             <a:r>
-              <a:rPr lang="en-US" dirty="0" smtClean="0"/>
+              <a:rPr lang="en-US" dirty="0"/>
               <a:t>Online community is huge</a:t>
             </a:r>
           </a:p>
           <a:p>
             <a:r>
-              <a:rPr lang="en-US" dirty="0" smtClean="0"/>
+              <a:rPr lang="en-US" dirty="0"/>
               <a:t>Platform independent</a:t>
             </a:r>
           </a:p>
           <a:p>
             <a:r>
-              <a:rPr lang="en-US" dirty="0" smtClean="0"/>
+              <a:rPr lang="en-US" dirty="0"/>
               <a:t>Powerful</a:t>
             </a:r>
           </a:p>
           <a:p>
             <a:pPr lvl="1"/>
             <a:r>
-              <a:rPr lang="en-US" dirty="0" smtClean="0"/>
+              <a:rPr lang="en-US" dirty="0"/>
               <a:t>Dynamic typing (check type at run time)</a:t>
             </a:r>
           </a:p>
           <a:p>
             <a:pPr lvl="1"/>
             <a:r>
-              <a:rPr lang="en-US" dirty="0" smtClean="0"/>
+              <a:rPr lang="en-US" dirty="0"/>
               <a:t>Built-in types and functions</a:t>
             </a:r>
           </a:p>
           <a:p>
             <a:pPr lvl="1"/>
             <a:r>
-              <a:rPr lang="en-US" dirty="0" smtClean="0"/>
+              <a:rPr lang="en-US" dirty="0"/>
               <a:t>Library utilities</a:t>
             </a:r>
           </a:p>
@@ -8804,7 +8662,7 @@
           <a:p>
             <a:pPr lvl="1"/>
             <a:r>
-              <a:rPr lang="en-US" dirty="0" smtClean="0"/>
+              <a:rPr lang="en-US" dirty="0"/>
               <a:t>Automatic memory management</a:t>
             </a:r>
           </a:p>
@@ -9312,10 +9170,9 @@
           <a:lstStyle/>
           <a:p>
             <a:r>
-              <a:rPr lang="en-US" dirty="0" smtClean="0"/>
+              <a:rPr lang="en-US" dirty="0"/>
               <a:t>Installation</a:t>
             </a:r>
-            <a:endParaRPr lang="en-US" dirty="0"/>
           </a:p>
         </p:txBody>
       </p:sp>
@@ -9337,53 +9194,53 @@
           <a:lstStyle/>
           <a:p>
             <a:r>
-              <a:rPr lang="en-US" dirty="0" err="1" smtClean="0"/>
+              <a:rPr lang="en-US" dirty="0" err="1"/>
               <a:t>Jupyter</a:t>
             </a:r>
             <a:r>
-              <a:rPr lang="en-US" dirty="0" smtClean="0"/>
+              <a:rPr lang="en-US" dirty="0"/>
               <a:t> (</a:t>
             </a:r>
             <a:r>
-              <a:rPr lang="en-US" dirty="0" err="1" smtClean="0"/>
+              <a:rPr lang="en-US" dirty="0" err="1"/>
               <a:t>IPython</a:t>
             </a:r>
             <a:r>
-              <a:rPr lang="en-US" dirty="0" smtClean="0"/>
+              <a:rPr lang="en-US" dirty="0"/>
               <a:t>) Notebook by installing </a:t>
             </a:r>
             <a:r>
-              <a:rPr lang="en-US" dirty="0" smtClean="0">
+              <a:rPr lang="en-US" dirty="0">
                 <a:hlinkClick r:id="rId2"/>
               </a:rPr>
               <a:t>Anaconda</a:t>
             </a:r>
-            <a:endParaRPr lang="en-US" dirty="0" smtClean="0"/>
-          </a:p>
-          <a:p>
-            <a:r>
-              <a:rPr lang="en-US" dirty="0" smtClean="0"/>
+            <a:endParaRPr lang="en-US" dirty="0"/>
+          </a:p>
+          <a:p>
+            <a:r>
+              <a:rPr lang="en-US" dirty="0"/>
               <a:t>Integrated Development Environment (IDE) </a:t>
             </a:r>
             <a:r>
-              <a:rPr lang="en-US" dirty="0" smtClean="0">
+              <a:rPr lang="en-US" dirty="0">
                 <a:hlinkClick r:id="rId3"/>
               </a:rPr>
               <a:t>PyCharm</a:t>
             </a:r>
-            <a:endParaRPr lang="en-US" dirty="0" smtClean="0"/>
-          </a:p>
-          <a:p>
-            <a:r>
-              <a:rPr lang="en-US" dirty="0" smtClean="0"/>
-              <a:t>We will be using Python 3.5 and Notebook for this course</a:t>
-            </a:r>
-          </a:p>
-          <a:p>
-            <a:endParaRPr lang="en-US" dirty="0" smtClean="0"/>
-          </a:p>
-          <a:p>
-            <a:endParaRPr lang="en-US" dirty="0" smtClean="0"/>
+            <a:endParaRPr lang="en-US" dirty="0"/>
+          </a:p>
+          <a:p>
+            <a:r>
+              <a:rPr lang="en-US" dirty="0"/>
+              <a:t>We will be using Python 3.6 and Notebook for this course</a:t>
+            </a:r>
+          </a:p>
+          <a:p>
+            <a:endParaRPr lang="en-US" dirty="0"/>
+          </a:p>
+          <a:p>
+            <a:endParaRPr lang="en-US" dirty="0"/>
           </a:p>
           <a:p>
             <a:endParaRPr lang="en-US" dirty="0"/>
@@ -9424,13 +9281,6 @@
   <p:clrMapOvr>
     <a:masterClrMapping/>
   </p:clrMapOvr>
-  <p:timing>
-    <p:tnLst>
-      <p:par>
-        <p:cTn id="1" dur="indefinite" restart="never" nodeType="tmRoot"/>
-      </p:par>
-    </p:tnLst>
-  </p:timing>
 </p:sld>
 </file>
 
@@ -9467,10 +9317,9 @@
           <a:lstStyle/>
           <a:p>
             <a:r>
-              <a:rPr lang="en-US" dirty="0" smtClean="0"/>
+              <a:rPr lang="en-US" dirty="0"/>
               <a:t>Python tutorial</a:t>
             </a:r>
-            <a:endParaRPr lang="en-US" dirty="0"/>
           </a:p>
         </p:txBody>
       </p:sp>
@@ -9490,31 +9339,31 @@
           <a:lstStyle/>
           <a:p>
             <a:r>
-              <a:rPr lang="en-US" dirty="0" smtClean="0"/>
+              <a:rPr lang="en-US" dirty="0"/>
               <a:t>Numbers</a:t>
             </a:r>
           </a:p>
           <a:p>
             <a:r>
-              <a:rPr lang="en-US" dirty="0" smtClean="0"/>
+              <a:rPr lang="en-US" dirty="0"/>
               <a:t>Strings</a:t>
             </a:r>
           </a:p>
           <a:p>
             <a:r>
-              <a:rPr lang="en-US" dirty="0" smtClean="0"/>
+              <a:rPr lang="en-US" dirty="0"/>
               <a:t>List</a:t>
             </a:r>
           </a:p>
           <a:p>
             <a:r>
-              <a:rPr lang="en-US" dirty="0" smtClean="0"/>
+              <a:rPr lang="en-US" dirty="0"/>
               <a:t>Tuple</a:t>
             </a:r>
           </a:p>
           <a:p>
             <a:r>
-              <a:rPr lang="en-US" dirty="0" smtClean="0"/>
+              <a:rPr lang="en-US" dirty="0"/>
               <a:t>Dictionary</a:t>
             </a:r>
           </a:p>
@@ -9563,13 +9412,6 @@
   <p:clrMapOvr>
     <a:masterClrMapping/>
   </p:clrMapOvr>
-  <p:timing>
-    <p:tnLst>
-      <p:par>
-        <p:cTn id="1" dur="indefinite" restart="never" nodeType="tmRoot"/>
-      </p:par>
-    </p:tnLst>
-  </p:timing>
 </p:sld>
 </file>
 
@@ -9606,10 +9448,9 @@
           <a:lstStyle/>
           <a:p>
             <a:r>
-              <a:rPr lang="en-US" dirty="0" smtClean="0"/>
+              <a:rPr lang="en-US" dirty="0"/>
               <a:t>Numbers</a:t>
             </a:r>
-            <a:endParaRPr lang="en-US" dirty="0"/>
           </a:p>
         </p:txBody>
       </p:sp>
@@ -9631,26 +9472,14 @@
           <a:lstStyle/>
           <a:p>
             <a:r>
-              <a:rPr lang="en-US" dirty="0" smtClean="0"/>
-              <a:t>No need to specify </a:t>
-            </a:r>
-            <a:r>
-              <a:rPr lang="en-US" dirty="0"/>
-              <a:t>the variable type before using </a:t>
-            </a:r>
-            <a:r>
-              <a:rPr lang="en-US" dirty="0" smtClean="0"/>
-              <a:t>it</a:t>
-            </a:r>
-          </a:p>
-          <a:p>
-            <a:r>
-              <a:rPr lang="en-US" dirty="0"/>
-              <a:t>The equal sign ('=') is used to assign a value to a </a:t>
-            </a:r>
-            <a:r>
-              <a:rPr lang="en-US" dirty="0" smtClean="0"/>
-              <a:t>variable</a:t>
+              <a:rPr lang="en-US" dirty="0"/>
+              <a:t>No need to specify the variable type before using it</a:t>
+            </a:r>
+          </a:p>
+          <a:p>
+            <a:r>
+              <a:rPr lang="en-US" dirty="0"/>
+              <a:t>The equal sign ('=') is used to assign a value to a variable</a:t>
             </a:r>
           </a:p>
           <a:p>
@@ -9695,13 +9524,6 @@
   <p:clrMapOvr>
     <a:masterClrMapping/>
   </p:clrMapOvr>
-  <p:timing>
-    <p:tnLst>
-      <p:par>
-        <p:cTn id="1" dur="indefinite" restart="never" nodeType="tmRoot"/>
-      </p:par>
-    </p:tnLst>
-  </p:timing>
 </p:sld>
 </file>
 
@@ -9738,10 +9560,9 @@
           <a:lstStyle/>
           <a:p>
             <a:r>
-              <a:rPr lang="en-US" dirty="0" smtClean="0"/>
+              <a:rPr lang="en-US" dirty="0"/>
               <a:t>Strings</a:t>
             </a:r>
-            <a:endParaRPr lang="en-US" dirty="0"/>
           </a:p>
         </p:txBody>
       </p:sp>
@@ -9762,24 +9583,12 @@
           <a:p>
             <a:r>
               <a:rPr lang="en-US" dirty="0"/>
-              <a:t>E</a:t>
-            </a:r>
-            <a:r>
-              <a:rPr lang="en-US" dirty="0" smtClean="0"/>
-              <a:t>nclosed </a:t>
-            </a:r>
-            <a:r>
-              <a:rPr lang="en-US" dirty="0"/>
-              <a:t>in single </a:t>
-            </a:r>
-            <a:r>
-              <a:rPr lang="en-US" dirty="0" smtClean="0"/>
-              <a:t>quotes, double quotes, triple quotes. </a:t>
-            </a:r>
-          </a:p>
-          <a:p>
-            <a:r>
-              <a:rPr lang="en-US" dirty="0" smtClean="0"/>
+              <a:t>Enclosed in single quotes, double quotes, triple quotes. </a:t>
+            </a:r>
+          </a:p>
+          <a:p>
+            <a:r>
+              <a:rPr lang="en-US" dirty="0"/>
               <a:t>Index and slice of strings.</a:t>
             </a:r>
           </a:p>
@@ -9822,13 +9631,6 @@
   <p:clrMapOvr>
     <a:masterClrMapping/>
   </p:clrMapOvr>
-  <p:timing>
-    <p:tnLst>
-      <p:par>
-        <p:cTn id="1" dur="indefinite" restart="never" nodeType="tmRoot"/>
-      </p:par>
-    </p:tnLst>
-  </p:timing>
 </p:sld>
 </file>
 
@@ -10398,4 +10200,299 @@
   <a:objectDefaults/>
   <a:extraClrSchemeLst/>
 </a:theme>
+</file>
+
+<file path=ppt/theme/theme3.xml><?xml version="1.0" encoding="utf-8"?>
+<a:theme xmlns:a="http://schemas.openxmlformats.org/drawingml/2006/main" name="Office Theme">
+  <a:themeElements>
+    <a:clrScheme name="Office">
+      <a:dk1>
+        <a:sysClr val="windowText" lastClr="000000"/>
+      </a:dk1>
+      <a:lt1>
+        <a:sysClr val="window" lastClr="FFFFFF"/>
+      </a:lt1>
+      <a:dk2>
+        <a:srgbClr val="44546A"/>
+      </a:dk2>
+      <a:lt2>
+        <a:srgbClr val="E7E6E6"/>
+      </a:lt2>
+      <a:accent1>
+        <a:srgbClr val="4472C4"/>
+      </a:accent1>
+      <a:accent2>
+        <a:srgbClr val="ED7D31"/>
+      </a:accent2>
+      <a:accent3>
+        <a:srgbClr val="A5A5A5"/>
+      </a:accent3>
+      <a:accent4>
+        <a:srgbClr val="FFC000"/>
+      </a:accent4>
+      <a:accent5>
+        <a:srgbClr val="5B9BD5"/>
+      </a:accent5>
+      <a:accent6>
+        <a:srgbClr val="70AD47"/>
+      </a:accent6>
+      <a:hlink>
+        <a:srgbClr val="0563C1"/>
+      </a:hlink>
+      <a:folHlink>
+        <a:srgbClr val="954F72"/>
+      </a:folHlink>
+    </a:clrScheme>
+    <a:fontScheme name="Office">
+      <a:majorFont>
+        <a:latin typeface="Calibri Light" panose="020F0302020204030204"/>
+        <a:ea typeface=""/>
+        <a:cs typeface=""/>
+        <a:font script="Jpan" typeface="游ゴシック Light"/>
+        <a:font script="Hang" typeface="맑은 고딕"/>
+        <a:font script="Hans" typeface="等线 Light"/>
+        <a:font script="Hant" typeface="新細明體"/>
+        <a:font script="Arab" typeface="Times New Roman"/>
+        <a:font script="Hebr" typeface="Times New Roman"/>
+        <a:font script="Thai" typeface="Angsana New"/>
+        <a:font script="Ethi" typeface="Nyala"/>
+        <a:font script="Beng" typeface="Vrinda"/>
+        <a:font script="Gujr" typeface="Shruti"/>
+        <a:font script="Khmr" typeface="MoolBoran"/>
+        <a:font script="Knda" typeface="Tunga"/>
+        <a:font script="Guru" typeface="Raavi"/>
+        <a:font script="Cans" typeface="Euphemia"/>
+        <a:font script="Cher" typeface="Plantagenet Cherokee"/>
+        <a:font script="Yiii" typeface="Microsoft Yi Baiti"/>
+        <a:font script="Tibt" typeface="Microsoft Himalaya"/>
+        <a:font script="Thaa" typeface="MV Boli"/>
+        <a:font script="Deva" typeface="Mangal"/>
+        <a:font script="Telu" typeface="Gautami"/>
+        <a:font script="Taml" typeface="Latha"/>
+        <a:font script="Syrc" typeface="Estrangelo Edessa"/>
+        <a:font script="Orya" typeface="Kalinga"/>
+        <a:font script="Mlym" typeface="Kartika"/>
+        <a:font script="Laoo" typeface="DokChampa"/>
+        <a:font script="Sinh" typeface="Iskoola Pota"/>
+        <a:font script="Mong" typeface="Mongolian Baiti"/>
+        <a:font script="Viet" typeface="Times New Roman"/>
+        <a:font script="Uigh" typeface="Microsoft Uighur"/>
+        <a:font script="Geor" typeface="Sylfaen"/>
+        <a:font script="Armn" typeface="Arial"/>
+        <a:font script="Bugi" typeface="Leelawadee UI"/>
+        <a:font script="Bopo" typeface="Microsoft JhengHei"/>
+        <a:font script="Java" typeface="Javanese Text"/>
+        <a:font script="Lisu" typeface="Segoe UI"/>
+        <a:font script="Mymr" typeface="Myanmar Text"/>
+        <a:font script="Nkoo" typeface="Ebrima"/>
+        <a:font script="Olck" typeface="Nirmala UI"/>
+        <a:font script="Osma" typeface="Ebrima"/>
+        <a:font script="Phag" typeface="Phagspa"/>
+        <a:font script="Syrn" typeface="Estrangelo Edessa"/>
+        <a:font script="Syrj" typeface="Estrangelo Edessa"/>
+        <a:font script="Syre" typeface="Estrangelo Edessa"/>
+        <a:font script="Sora" typeface="Nirmala UI"/>
+        <a:font script="Tale" typeface="Microsoft Tai Le"/>
+        <a:font script="Talu" typeface="Microsoft New Tai Lue"/>
+        <a:font script="Tfng" typeface="Ebrima"/>
+      </a:majorFont>
+      <a:minorFont>
+        <a:latin typeface="Calibri" panose="020F0502020204030204"/>
+        <a:ea typeface=""/>
+        <a:cs typeface=""/>
+        <a:font script="Jpan" typeface="游ゴシック"/>
+        <a:font script="Hang" typeface="맑은 고딕"/>
+        <a:font script="Hans" typeface="等线"/>
+        <a:font script="Hant" typeface="新細明體"/>
+        <a:font script="Arab" typeface="Arial"/>
+        <a:font script="Hebr" typeface="Arial"/>
+        <a:font script="Thai" typeface="Cordia New"/>
+        <a:font script="Ethi" typeface="Nyala"/>
+        <a:font script="Beng" typeface="Vrinda"/>
+        <a:font script="Gujr" typeface="Shruti"/>
+        <a:font script="Khmr" typeface="DaunPenh"/>
+        <a:font script="Knda" typeface="Tunga"/>
+        <a:font script="Guru" typeface="Raavi"/>
+        <a:font script="Cans" typeface="Euphemia"/>
+        <a:font script="Cher" typeface="Plantagenet Cherokee"/>
+        <a:font script="Yiii" typeface="Microsoft Yi Baiti"/>
+        <a:font script="Tibt" typeface="Microsoft Himalaya"/>
+        <a:font script="Thaa" typeface="MV Boli"/>
+        <a:font script="Deva" typeface="Mangal"/>
+        <a:font script="Telu" typeface="Gautami"/>
+        <a:font script="Taml" typeface="Latha"/>
+        <a:font script="Syrc" typeface="Estrangelo Edessa"/>
+        <a:font script="Orya" typeface="Kalinga"/>
+        <a:font script="Mlym" typeface="Kartika"/>
+        <a:font script="Laoo" typeface="DokChampa"/>
+        <a:font script="Sinh" typeface="Iskoola Pota"/>
+        <a:font script="Mong" typeface="Mongolian Baiti"/>
+        <a:font script="Viet" typeface="Arial"/>
+        <a:font script="Uigh" typeface="Microsoft Uighur"/>
+        <a:font script="Geor" typeface="Sylfaen"/>
+        <a:font script="Armn" typeface="Arial"/>
+        <a:font script="Bugi" typeface="Leelawadee UI"/>
+        <a:font script="Bopo" typeface="Microsoft JhengHei"/>
+        <a:font script="Java" typeface="Javanese Text"/>
+        <a:font script="Lisu" typeface="Segoe UI"/>
+        <a:font script="Mymr" typeface="Myanmar Text"/>
+        <a:font script="Nkoo" typeface="Ebrima"/>
+        <a:font script="Olck" typeface="Nirmala UI"/>
+        <a:font script="Osma" typeface="Ebrima"/>
+        <a:font script="Phag" typeface="Phagspa"/>
+        <a:font script="Syrn" typeface="Estrangelo Edessa"/>
+        <a:font script="Syrj" typeface="Estrangelo Edessa"/>
+        <a:font script="Syre" typeface="Estrangelo Edessa"/>
+        <a:font script="Sora" typeface="Nirmala UI"/>
+        <a:font script="Tale" typeface="Microsoft Tai Le"/>
+        <a:font script="Talu" typeface="Microsoft New Tai Lue"/>
+        <a:font script="Tfng" typeface="Ebrima"/>
+      </a:minorFont>
+    </a:fontScheme>
+    <a:fmtScheme name="Office">
+      <a:fillStyleLst>
+        <a:solidFill>
+          <a:schemeClr val="phClr"/>
+        </a:solidFill>
+        <a:gradFill rotWithShape="1">
+          <a:gsLst>
+            <a:gs pos="0">
+              <a:schemeClr val="phClr">
+                <a:lumMod val="110000"/>
+                <a:satMod val="105000"/>
+                <a:tint val="67000"/>
+              </a:schemeClr>
+            </a:gs>
+            <a:gs pos="50000">
+              <a:schemeClr val="phClr">
+                <a:lumMod val="105000"/>
+                <a:satMod val="103000"/>
+                <a:tint val="73000"/>
+              </a:schemeClr>
+            </a:gs>
+            <a:gs pos="100000">
+              <a:schemeClr val="phClr">
+                <a:lumMod val="105000"/>
+                <a:satMod val="109000"/>
+                <a:tint val="81000"/>
+              </a:schemeClr>
+            </a:gs>
+          </a:gsLst>
+          <a:lin ang="5400000" scaled="0"/>
+        </a:gradFill>
+        <a:gradFill rotWithShape="1">
+          <a:gsLst>
+            <a:gs pos="0">
+              <a:schemeClr val="phClr">
+                <a:satMod val="103000"/>
+                <a:lumMod val="102000"/>
+                <a:tint val="94000"/>
+              </a:schemeClr>
+            </a:gs>
+            <a:gs pos="50000">
+              <a:schemeClr val="phClr">
+                <a:satMod val="110000"/>
+                <a:lumMod val="100000"/>
+                <a:shade val="100000"/>
+              </a:schemeClr>
+            </a:gs>
+            <a:gs pos="100000">
+              <a:schemeClr val="phClr">
+                <a:lumMod val="99000"/>
+                <a:satMod val="120000"/>
+                <a:shade val="78000"/>
+              </a:schemeClr>
+            </a:gs>
+          </a:gsLst>
+          <a:lin ang="5400000" scaled="0"/>
+        </a:gradFill>
+      </a:fillStyleLst>
+      <a:lnStyleLst>
+        <a:ln w="6350" cap="flat" cmpd="sng" algn="ctr">
+          <a:solidFill>
+            <a:schemeClr val="phClr"/>
+          </a:solidFill>
+          <a:prstDash val="solid"/>
+          <a:miter lim="800000"/>
+        </a:ln>
+        <a:ln w="12700" cap="flat" cmpd="sng" algn="ctr">
+          <a:solidFill>
+            <a:schemeClr val="phClr"/>
+          </a:solidFill>
+          <a:prstDash val="solid"/>
+          <a:miter lim="800000"/>
+        </a:ln>
+        <a:ln w="19050" cap="flat" cmpd="sng" algn="ctr">
+          <a:solidFill>
+            <a:schemeClr val="phClr"/>
+          </a:solidFill>
+          <a:prstDash val="solid"/>
+          <a:miter lim="800000"/>
+        </a:ln>
+      </a:lnStyleLst>
+      <a:effectStyleLst>
+        <a:effectStyle>
+          <a:effectLst/>
+        </a:effectStyle>
+        <a:effectStyle>
+          <a:effectLst/>
+        </a:effectStyle>
+        <a:effectStyle>
+          <a:effectLst>
+            <a:outerShdw blurRad="57150" dist="19050" dir="5400000" algn="ctr" rotWithShape="0">
+              <a:srgbClr val="000000">
+                <a:alpha val="63000"/>
+              </a:srgbClr>
+            </a:outerShdw>
+          </a:effectLst>
+        </a:effectStyle>
+      </a:effectStyleLst>
+      <a:bgFillStyleLst>
+        <a:solidFill>
+          <a:schemeClr val="phClr"/>
+        </a:solidFill>
+        <a:solidFill>
+          <a:schemeClr val="phClr">
+            <a:tint val="95000"/>
+            <a:satMod val="170000"/>
+          </a:schemeClr>
+        </a:solidFill>
+        <a:gradFill rotWithShape="1">
+          <a:gsLst>
+            <a:gs pos="0">
+              <a:schemeClr val="phClr">
+                <a:tint val="93000"/>
+                <a:satMod val="150000"/>
+                <a:shade val="98000"/>
+                <a:lumMod val="102000"/>
+              </a:schemeClr>
+            </a:gs>
+            <a:gs pos="50000">
+              <a:schemeClr val="phClr">
+                <a:tint val="98000"/>
+                <a:satMod val="130000"/>
+                <a:shade val="90000"/>
+                <a:lumMod val="103000"/>
+              </a:schemeClr>
+            </a:gs>
+            <a:gs pos="100000">
+              <a:schemeClr val="phClr">
+                <a:shade val="63000"/>
+                <a:satMod val="120000"/>
+              </a:schemeClr>
+            </a:gs>
+          </a:gsLst>
+          <a:lin ang="5400000" scaled="0"/>
+        </a:gradFill>
+      </a:bgFillStyleLst>
+    </a:fmtScheme>
+  </a:themeElements>
+  <a:objectDefaults/>
+  <a:extraClrSchemeLst/>
+  <a:extLst>
+    <a:ext uri="{05A4C25C-085E-4340-85A3-A5531E510DB2}">
+      <thm15:themeFamily xmlns:thm15="http://schemas.microsoft.com/office/thememl/2012/main" name="Office Theme" id="{62F939B6-93AF-4DB8-9C6B-D6C7DFDC589F}" vid="{4A3C46E8-61CC-4603-A589-7422A47A8E4A}"/>
+    </a:ext>
+  </a:extLst>
+</a:theme>
 </file>